--- a/tmp/イメージ.pptx
+++ b/tmp/イメージ.pptx
@@ -6,6 +6,9 @@
   </p:sldMasterIdLst>
   <p:sldIdLst>
     <p:sldId id="256" r:id="rId2"/>
+    <p:sldId id="257" r:id="rId3"/>
+    <p:sldId id="258" r:id="rId4"/>
+    <p:sldId id="259" r:id="rId5"/>
   </p:sldIdLst>
   <p:sldSz cx="12192000" cy="6858000"/>
   <p:notesSz cx="6858000" cy="9144000"/>
@@ -104,6 +107,11 @@
       </a:defRPr>
     </a:lvl9pPr>
   </p:defaultTextStyle>
+  <p:extLst>
+    <p:ext uri="{EFAFB233-063F-42B5-8137-9DF3F51BA10A}">
+      <p15:sldGuideLst xmlns:p15="http://schemas.microsoft.com/office/powerpoint/2012/main"/>
+    </p:ext>
+  </p:extLst>
 </p:presentation>
 </file>
 
@@ -254,7 +262,7 @@
           <a:p>
             <a:fld id="{631EE54B-C8F3-4E2F-AEEF-7EF4ED04F042}" type="datetimeFigureOut">
               <a:rPr kumimoji="1" lang="ja-JP" altLang="en-US" smtClean="0"/>
-              <a:t>2023/10/28</a:t>
+              <a:t>2023/10/31</a:t>
             </a:fld>
             <a:endParaRPr kumimoji="1" lang="ja-JP" altLang="en-US"/>
           </a:p>
@@ -484,7 +492,7 @@
           <a:p>
             <a:fld id="{631EE54B-C8F3-4E2F-AEEF-7EF4ED04F042}" type="datetimeFigureOut">
               <a:rPr kumimoji="1" lang="ja-JP" altLang="en-US" smtClean="0"/>
-              <a:t>2023/10/28</a:t>
+              <a:t>2023/10/31</a:t>
             </a:fld>
             <a:endParaRPr kumimoji="1" lang="ja-JP" altLang="en-US"/>
           </a:p>
@@ -724,7 +732,7 @@
           <a:p>
             <a:fld id="{631EE54B-C8F3-4E2F-AEEF-7EF4ED04F042}" type="datetimeFigureOut">
               <a:rPr kumimoji="1" lang="ja-JP" altLang="en-US" smtClean="0"/>
-              <a:t>2023/10/28</a:t>
+              <a:t>2023/10/31</a:t>
             </a:fld>
             <a:endParaRPr kumimoji="1" lang="ja-JP" altLang="en-US"/>
           </a:p>
@@ -954,7 +962,7 @@
           <a:p>
             <a:fld id="{631EE54B-C8F3-4E2F-AEEF-7EF4ED04F042}" type="datetimeFigureOut">
               <a:rPr kumimoji="1" lang="ja-JP" altLang="en-US" smtClean="0"/>
-              <a:t>2023/10/28</a:t>
+              <a:t>2023/10/31</a:t>
             </a:fld>
             <a:endParaRPr kumimoji="1" lang="ja-JP" altLang="en-US"/>
           </a:p>
@@ -1229,7 +1237,7 @@
           <a:p>
             <a:fld id="{631EE54B-C8F3-4E2F-AEEF-7EF4ED04F042}" type="datetimeFigureOut">
               <a:rPr kumimoji="1" lang="ja-JP" altLang="en-US" smtClean="0"/>
-              <a:t>2023/10/28</a:t>
+              <a:t>2023/10/31</a:t>
             </a:fld>
             <a:endParaRPr kumimoji="1" lang="ja-JP" altLang="en-US"/>
           </a:p>
@@ -1558,7 +1566,7 @@
           <a:p>
             <a:fld id="{631EE54B-C8F3-4E2F-AEEF-7EF4ED04F042}" type="datetimeFigureOut">
               <a:rPr kumimoji="1" lang="ja-JP" altLang="en-US" smtClean="0"/>
-              <a:t>2023/10/28</a:t>
+              <a:t>2023/10/31</a:t>
             </a:fld>
             <a:endParaRPr kumimoji="1" lang="ja-JP" altLang="en-US"/>
           </a:p>
@@ -2034,7 +2042,7 @@
           <a:p>
             <a:fld id="{631EE54B-C8F3-4E2F-AEEF-7EF4ED04F042}" type="datetimeFigureOut">
               <a:rPr kumimoji="1" lang="ja-JP" altLang="en-US" smtClean="0"/>
-              <a:t>2023/10/28</a:t>
+              <a:t>2023/10/31</a:t>
             </a:fld>
             <a:endParaRPr kumimoji="1" lang="ja-JP" altLang="en-US"/>
           </a:p>
@@ -2175,7 +2183,7 @@
           <a:p>
             <a:fld id="{631EE54B-C8F3-4E2F-AEEF-7EF4ED04F042}" type="datetimeFigureOut">
               <a:rPr kumimoji="1" lang="ja-JP" altLang="en-US" smtClean="0"/>
-              <a:t>2023/10/28</a:t>
+              <a:t>2023/10/31</a:t>
             </a:fld>
             <a:endParaRPr kumimoji="1" lang="ja-JP" altLang="en-US"/>
           </a:p>
@@ -2288,7 +2296,7 @@
           <a:p>
             <a:fld id="{631EE54B-C8F3-4E2F-AEEF-7EF4ED04F042}" type="datetimeFigureOut">
               <a:rPr kumimoji="1" lang="ja-JP" altLang="en-US" smtClean="0"/>
-              <a:t>2023/10/28</a:t>
+              <a:t>2023/10/31</a:t>
             </a:fld>
             <a:endParaRPr kumimoji="1" lang="ja-JP" altLang="en-US"/>
           </a:p>
@@ -2631,7 +2639,7 @@
           <a:p>
             <a:fld id="{631EE54B-C8F3-4E2F-AEEF-7EF4ED04F042}" type="datetimeFigureOut">
               <a:rPr kumimoji="1" lang="ja-JP" altLang="en-US" smtClean="0"/>
-              <a:t>2023/10/28</a:t>
+              <a:t>2023/10/31</a:t>
             </a:fld>
             <a:endParaRPr kumimoji="1" lang="ja-JP" altLang="en-US"/>
           </a:p>
@@ -2919,7 +2927,7 @@
           <a:p>
             <a:fld id="{631EE54B-C8F3-4E2F-AEEF-7EF4ED04F042}" type="datetimeFigureOut">
               <a:rPr kumimoji="1" lang="ja-JP" altLang="en-US" smtClean="0"/>
-              <a:t>2023/10/28</a:t>
+              <a:t>2023/10/31</a:t>
             </a:fld>
             <a:endParaRPr kumimoji="1" lang="ja-JP" altLang="en-US"/>
           </a:p>
@@ -3192,7 +3200,7 @@
           <a:p>
             <a:fld id="{631EE54B-C8F3-4E2F-AEEF-7EF4ED04F042}" type="datetimeFigureOut">
               <a:rPr kumimoji="1" lang="ja-JP" altLang="en-US" smtClean="0"/>
-              <a:t>2023/10/28</a:t>
+              <a:t>2023/10/31</a:t>
             </a:fld>
             <a:endParaRPr kumimoji="1" lang="ja-JP" altLang="en-US"/>
           </a:p>
@@ -4243,6 +4251,314 @@
 </p:sld>
 </file>
 
+<file path=ppt/slides/slide2.xml><?xml version="1.0" encoding="utf-8"?>
+<p:sld xmlns:a="http://schemas.openxmlformats.org/drawingml/2006/main" xmlns:r="http://schemas.openxmlformats.org/officeDocument/2006/relationships" xmlns:p="http://schemas.openxmlformats.org/presentationml/2006/main">
+  <p:cSld>
+    <p:spTree>
+      <p:nvGrpSpPr>
+        <p:cNvPr id="1" name=""/>
+        <p:cNvGrpSpPr/>
+        <p:nvPr/>
+      </p:nvGrpSpPr>
+      <p:grpSpPr>
+        <a:xfrm>
+          <a:off x="0" y="0"/>
+          <a:ext cx="0" cy="0"/>
+          <a:chOff x="0" y="0"/>
+          <a:chExt cx="0" cy="0"/>
+        </a:xfrm>
+      </p:grpSpPr>
+      <p:sp>
+        <p:nvSpPr>
+          <p:cNvPr id="4" name="テキスト ボックス 3">
+            <a:extLst>
+              <a:ext uri="{FF2B5EF4-FFF2-40B4-BE49-F238E27FC236}">
+                <a16:creationId xmlns:a16="http://schemas.microsoft.com/office/drawing/2014/main" id="{99DC2B73-F005-BA58-DE8A-8204A1C3FB43}"/>
+              </a:ext>
+            </a:extLst>
+          </p:cNvPr>
+          <p:cNvSpPr txBox="1"/>
+          <p:nvPr/>
+        </p:nvSpPr>
+        <p:spPr>
+          <a:xfrm>
+            <a:off x="0" y="3429000"/>
+            <a:ext cx="12192000" cy="5400000"/>
+          </a:xfrm>
+          <a:prstGeom prst="rect">
+            <a:avLst/>
+          </a:prstGeom>
+          <a:noFill/>
+          <a:ln>
+            <a:noFill/>
+          </a:ln>
+        </p:spPr>
+        <p:txBody>
+          <a:bodyPr wrap="square" rtlCol="0">
+            <a:prstTxWarp prst="textArchUp">
+              <a:avLst/>
+            </a:prstTxWarp>
+            <a:spAutoFit/>
+          </a:bodyPr>
+          <a:lstStyle/>
+          <a:p>
+            <a:pPr algn="ctr"/>
+            <a:r>
+              <a:rPr kumimoji="1" lang="ja-JP" altLang="en-US" sz="11500" spc="-2500" dirty="0">
+                <a:ln w="76200">
+                  <a:solidFill>
+                    <a:srgbClr val="5A1E16"/>
+                  </a:solidFill>
+                </a:ln>
+                <a:solidFill>
+                  <a:srgbClr val="F7B923"/>
+                </a:solidFill>
+                <a:latin typeface="mini-わくわく" panose="02000600000000000000" pitchFamily="50" charset="-128"/>
+                <a:ea typeface="mini-わくわく" panose="02000600000000000000" pitchFamily="50" charset="-128"/>
+              </a:rPr>
+              <a:t>ボール</a:t>
+            </a:r>
+            <a:r>
+              <a:rPr lang="ja-JP" altLang="en-US" sz="11500" spc="-2500" dirty="0">
+                <a:ln w="76200">
+                  <a:solidFill>
+                    <a:srgbClr val="5A1E16"/>
+                  </a:solidFill>
+                </a:ln>
+                <a:solidFill>
+                  <a:srgbClr val="F7B923"/>
+                </a:solidFill>
+                <a:latin typeface="mini-わくわく" panose="02000600000000000000" pitchFamily="50" charset="-128"/>
+                <a:ea typeface="mini-わくわく" panose="02000600000000000000" pitchFamily="50" charset="-128"/>
+              </a:rPr>
+              <a:t>ゲーム</a:t>
+            </a:r>
+            <a:endParaRPr kumimoji="1" lang="ja-JP" altLang="en-US" sz="11500" spc="-2500" dirty="0">
+              <a:ln w="76200">
+                <a:solidFill>
+                  <a:srgbClr val="5A1E16"/>
+                </a:solidFill>
+              </a:ln>
+              <a:solidFill>
+                <a:srgbClr val="F7B923"/>
+              </a:solidFill>
+              <a:latin typeface="mini-わくわく" panose="02000600000000000000" pitchFamily="50" charset="-128"/>
+              <a:ea typeface="mini-わくわく" panose="02000600000000000000" pitchFamily="50" charset="-128"/>
+            </a:endParaRPr>
+          </a:p>
+        </p:txBody>
+      </p:sp>
+    </p:spTree>
+    <p:extLst>
+      <p:ext uri="{BB962C8B-B14F-4D97-AF65-F5344CB8AC3E}">
+        <p14:creationId xmlns:p14="http://schemas.microsoft.com/office/powerpoint/2010/main" val="1767948098"/>
+      </p:ext>
+    </p:extLst>
+  </p:cSld>
+  <p:clrMapOvr>
+    <a:masterClrMapping/>
+  </p:clrMapOvr>
+</p:sld>
+</file>
+
+<file path=ppt/slides/slide3.xml><?xml version="1.0" encoding="utf-8"?>
+<p:sld xmlns:a="http://schemas.openxmlformats.org/drawingml/2006/main" xmlns:r="http://schemas.openxmlformats.org/officeDocument/2006/relationships" xmlns:p="http://schemas.openxmlformats.org/presentationml/2006/main">
+  <p:cSld>
+    <p:spTree>
+      <p:nvGrpSpPr>
+        <p:cNvPr id="1" name=""/>
+        <p:cNvGrpSpPr/>
+        <p:nvPr/>
+      </p:nvGrpSpPr>
+      <p:grpSpPr>
+        <a:xfrm>
+          <a:off x="0" y="0"/>
+          <a:ext cx="0" cy="0"/>
+          <a:chOff x="0" y="0"/>
+          <a:chExt cx="0" cy="0"/>
+        </a:xfrm>
+      </p:grpSpPr>
+      <p:sp>
+        <p:nvSpPr>
+          <p:cNvPr id="2" name="正方形/長方形 1">
+            <a:extLst>
+              <a:ext uri="{FF2B5EF4-FFF2-40B4-BE49-F238E27FC236}">
+                <a16:creationId xmlns:a16="http://schemas.microsoft.com/office/drawing/2014/main" id="{6FA1C8FB-F772-03CD-A3BD-915E5DBDE526}"/>
+              </a:ext>
+            </a:extLst>
+          </p:cNvPr>
+          <p:cNvSpPr/>
+          <p:nvPr/>
+        </p:nvSpPr>
+        <p:spPr>
+          <a:xfrm>
+            <a:off x="0" y="0"/>
+            <a:ext cx="12192000" cy="6858000"/>
+          </a:xfrm>
+          <a:prstGeom prst="rect">
+            <a:avLst/>
+          </a:prstGeom>
+        </p:spPr>
+        <p:style>
+          <a:lnRef idx="2">
+            <a:schemeClr val="accent1">
+              <a:shade val="15000"/>
+            </a:schemeClr>
+          </a:lnRef>
+          <a:fillRef idx="1">
+            <a:schemeClr val="accent1"/>
+          </a:fillRef>
+          <a:effectRef idx="0">
+            <a:schemeClr val="accent1"/>
+          </a:effectRef>
+          <a:fontRef idx="minor">
+            <a:schemeClr val="lt1"/>
+          </a:fontRef>
+        </p:style>
+        <p:txBody>
+          <a:bodyPr rtlCol="0" anchor="ctr"/>
+          <a:lstStyle/>
+          <a:p>
+            <a:pPr algn="ctr"/>
+            <a:endParaRPr kumimoji="1" lang="ja-JP" altLang="en-US"/>
+          </a:p>
+        </p:txBody>
+      </p:sp>
+      <p:pic>
+        <p:nvPicPr>
+          <p:cNvPr id="4" name="図 3" descr="アイコン&#10;&#10;自動的に生成された説明">
+            <a:extLst>
+              <a:ext uri="{FF2B5EF4-FFF2-40B4-BE49-F238E27FC236}">
+                <a16:creationId xmlns:a16="http://schemas.microsoft.com/office/drawing/2014/main" id="{8F066AA4-6758-B4BE-C49E-29A20942A323}"/>
+              </a:ext>
+            </a:extLst>
+          </p:cNvPr>
+          <p:cNvPicPr>
+            <a:picLocks noChangeAspect="1"/>
+          </p:cNvPicPr>
+          <p:nvPr/>
+        </p:nvPicPr>
+        <p:blipFill>
+          <a:blip r:embed="rId2">
+            <a:extLst>
+              <a:ext uri="{28A0092B-C50C-407E-A947-70E740481C1C}">
+                <a14:useLocalDpi xmlns:a14="http://schemas.microsoft.com/office/drawing/2010/main" val="0"/>
+              </a:ext>
+            </a:extLst>
+          </a:blip>
+          <a:stretch>
+            <a:fillRect/>
+          </a:stretch>
+        </p:blipFill>
+        <p:spPr>
+          <a:xfrm>
+            <a:off x="2663125" y="0"/>
+            <a:ext cx="6865749" cy="6858000"/>
+          </a:xfrm>
+          <a:prstGeom prst="rect">
+            <a:avLst/>
+          </a:prstGeom>
+        </p:spPr>
+      </p:pic>
+    </p:spTree>
+    <p:extLst>
+      <p:ext uri="{BB962C8B-B14F-4D97-AF65-F5344CB8AC3E}">
+        <p14:creationId xmlns:p14="http://schemas.microsoft.com/office/powerpoint/2010/main" val="3370404618"/>
+      </p:ext>
+    </p:extLst>
+  </p:cSld>
+  <p:clrMapOvr>
+    <a:masterClrMapping/>
+  </p:clrMapOvr>
+</p:sld>
+</file>
+
+<file path=ppt/slides/slide4.xml><?xml version="1.0" encoding="utf-8"?>
+<p:sld xmlns:a="http://schemas.openxmlformats.org/drawingml/2006/main" xmlns:r="http://schemas.openxmlformats.org/officeDocument/2006/relationships" xmlns:p="http://schemas.openxmlformats.org/presentationml/2006/main">
+  <p:cSld>
+    <p:spTree>
+      <p:nvGrpSpPr>
+        <p:cNvPr id="1" name=""/>
+        <p:cNvGrpSpPr/>
+        <p:nvPr/>
+      </p:nvGrpSpPr>
+      <p:grpSpPr>
+        <a:xfrm>
+          <a:off x="0" y="0"/>
+          <a:ext cx="0" cy="0"/>
+          <a:chOff x="0" y="0"/>
+          <a:chExt cx="0" cy="0"/>
+        </a:xfrm>
+      </p:grpSpPr>
+      <p:sp>
+        <p:nvSpPr>
+          <p:cNvPr id="5" name="円: 塗りつぶしなし 4">
+            <a:extLst>
+              <a:ext uri="{FF2B5EF4-FFF2-40B4-BE49-F238E27FC236}">
+                <a16:creationId xmlns:a16="http://schemas.microsoft.com/office/drawing/2014/main" id="{5273E05B-396B-A3D1-9475-92AD8EEF786E}"/>
+              </a:ext>
+            </a:extLst>
+          </p:cNvPr>
+          <p:cNvSpPr/>
+          <p:nvPr/>
+        </p:nvSpPr>
+        <p:spPr>
+          <a:xfrm>
+            <a:off x="3396000" y="729000"/>
+            <a:ext cx="5400000" cy="5400000"/>
+          </a:xfrm>
+          <a:prstGeom prst="donut">
+            <a:avLst/>
+          </a:prstGeom>
+          <a:blipFill>
+            <a:blip r:embed="rId2"/>
+            <a:stretch>
+              <a:fillRect/>
+            </a:stretch>
+          </a:blipFill>
+        </p:spPr>
+        <p:style>
+          <a:lnRef idx="2">
+            <a:schemeClr val="accent1">
+              <a:shade val="15000"/>
+            </a:schemeClr>
+          </a:lnRef>
+          <a:fillRef idx="1">
+            <a:schemeClr val="accent1"/>
+          </a:fillRef>
+          <a:effectRef idx="0">
+            <a:schemeClr val="accent1"/>
+          </a:effectRef>
+          <a:fontRef idx="minor">
+            <a:schemeClr val="lt1"/>
+          </a:fontRef>
+        </p:style>
+        <p:txBody>
+          <a:bodyPr rtlCol="0" anchor="ctr"/>
+          <a:lstStyle/>
+          <a:p>
+            <a:pPr algn="ctr"/>
+            <a:endParaRPr kumimoji="1" lang="ja-JP" altLang="en-US">
+              <a:solidFill>
+                <a:schemeClr val="tx1"/>
+              </a:solidFill>
+            </a:endParaRPr>
+          </a:p>
+        </p:txBody>
+      </p:sp>
+    </p:spTree>
+    <p:extLst>
+      <p:ext uri="{BB962C8B-B14F-4D97-AF65-F5344CB8AC3E}">
+        <p14:creationId xmlns:p14="http://schemas.microsoft.com/office/powerpoint/2010/main" val="3114204248"/>
+      </p:ext>
+    </p:extLst>
+  </p:cSld>
+  <p:clrMapOvr>
+    <a:masterClrMapping/>
+  </p:clrMapOvr>
+</p:sld>
+</file>
+
 <file path=ppt/theme/theme1.xml><?xml version="1.0" encoding="utf-8"?>
 <a:theme xmlns:a="http://schemas.openxmlformats.org/drawingml/2006/main" name="Office テーマ">
   <a:themeElements>

--- a/tmp/イメージ.pptx
+++ b/tmp/イメージ.pptx
@@ -9,6 +9,12 @@
     <p:sldId id="257" r:id="rId3"/>
     <p:sldId id="258" r:id="rId4"/>
     <p:sldId id="259" r:id="rId5"/>
+    <p:sldId id="260" r:id="rId6"/>
+    <p:sldId id="261" r:id="rId7"/>
+    <p:sldId id="262" r:id="rId8"/>
+    <p:sldId id="264" r:id="rId9"/>
+    <p:sldId id="263" r:id="rId10"/>
+    <p:sldId id="265" r:id="rId11"/>
   </p:sldIdLst>
   <p:sldSz cx="12192000" cy="6858000"/>
   <p:notesSz cx="6858000" cy="9144000"/>
@@ -4251,6 +4257,230 @@
 </p:sld>
 </file>
 
+<file path=ppt/slides/slide10.xml><?xml version="1.0" encoding="utf-8"?>
+<p:sld xmlns:a="http://schemas.openxmlformats.org/drawingml/2006/main" xmlns:r="http://schemas.openxmlformats.org/officeDocument/2006/relationships" xmlns:p="http://schemas.openxmlformats.org/presentationml/2006/main">
+  <p:cSld>
+    <p:spTree>
+      <p:nvGrpSpPr>
+        <p:cNvPr id="1" name=""/>
+        <p:cNvGrpSpPr/>
+        <p:nvPr/>
+      </p:nvGrpSpPr>
+      <p:grpSpPr>
+        <a:xfrm>
+          <a:off x="0" y="0"/>
+          <a:ext cx="0" cy="0"/>
+          <a:chOff x="0" y="0"/>
+          <a:chExt cx="0" cy="0"/>
+        </a:xfrm>
+      </p:grpSpPr>
+      <p:sp>
+        <p:nvSpPr>
+          <p:cNvPr id="4" name="正方形/長方形 3">
+            <a:extLst>
+              <a:ext uri="{FF2B5EF4-FFF2-40B4-BE49-F238E27FC236}">
+                <a16:creationId xmlns:a16="http://schemas.microsoft.com/office/drawing/2014/main" id="{9DAD49F3-8F5D-20A2-1EB4-48C6DAF5C4DB}"/>
+              </a:ext>
+            </a:extLst>
+          </p:cNvPr>
+          <p:cNvSpPr/>
+          <p:nvPr/>
+        </p:nvSpPr>
+        <p:spPr>
+          <a:xfrm>
+            <a:off x="0" y="0"/>
+            <a:ext cx="12192000" cy="6858000"/>
+          </a:xfrm>
+          <a:prstGeom prst="rect">
+            <a:avLst/>
+          </a:prstGeom>
+          <a:solidFill>
+            <a:srgbClr val="FEE356"/>
+          </a:solidFill>
+          <a:ln>
+            <a:solidFill>
+              <a:srgbClr val="EDE6EC"/>
+            </a:solidFill>
+          </a:ln>
+        </p:spPr>
+        <p:style>
+          <a:lnRef idx="2">
+            <a:schemeClr val="accent1">
+              <a:shade val="15000"/>
+            </a:schemeClr>
+          </a:lnRef>
+          <a:fillRef idx="1">
+            <a:schemeClr val="accent1"/>
+          </a:fillRef>
+          <a:effectRef idx="0">
+            <a:schemeClr val="accent1"/>
+          </a:effectRef>
+          <a:fontRef idx="minor">
+            <a:schemeClr val="lt1"/>
+          </a:fontRef>
+        </p:style>
+        <p:txBody>
+          <a:bodyPr rtlCol="0" anchor="ctr"/>
+          <a:lstStyle/>
+          <a:p>
+            <a:pPr algn="ctr"/>
+            <a:endParaRPr kumimoji="1" lang="ja-JP" altLang="en-US"/>
+          </a:p>
+        </p:txBody>
+      </p:sp>
+      <p:pic>
+        <p:nvPicPr>
+          <p:cNvPr id="3" name="図 2" descr="輸送, ホイール が含まれている画像&#10;&#10;自動的に生成された説明">
+            <a:extLst>
+              <a:ext uri="{FF2B5EF4-FFF2-40B4-BE49-F238E27FC236}">
+                <a16:creationId xmlns:a16="http://schemas.microsoft.com/office/drawing/2014/main" id="{20F4C94D-6ABA-9592-FB39-FADE0BB47679}"/>
+              </a:ext>
+            </a:extLst>
+          </p:cNvPr>
+          <p:cNvPicPr>
+            <a:picLocks noChangeAspect="1"/>
+          </p:cNvPicPr>
+          <p:nvPr/>
+        </p:nvPicPr>
+        <p:blipFill>
+          <a:blip r:embed="rId2">
+            <a:extLst>
+              <a:ext uri="{28A0092B-C50C-407E-A947-70E740481C1C}">
+                <a14:useLocalDpi xmlns:a14="http://schemas.microsoft.com/office/drawing/2010/main" val="0"/>
+              </a:ext>
+            </a:extLst>
+          </a:blip>
+          <a:stretch>
+            <a:fillRect/>
+          </a:stretch>
+        </p:blipFill>
+        <p:spPr>
+          <a:xfrm>
+            <a:off x="2667000" y="0"/>
+            <a:ext cx="6858000" cy="6858000"/>
+          </a:xfrm>
+          <a:prstGeom prst="rect">
+            <a:avLst/>
+          </a:prstGeom>
+        </p:spPr>
+      </p:pic>
+      <p:pic>
+        <p:nvPicPr>
+          <p:cNvPr id="9" name="図 8" descr="ロゴ&#10;&#10;自動的に生成された説明">
+            <a:extLst>
+              <a:ext uri="{FF2B5EF4-FFF2-40B4-BE49-F238E27FC236}">
+                <a16:creationId xmlns:a16="http://schemas.microsoft.com/office/drawing/2014/main" id="{C2509C3D-67B1-1A4D-5A44-1135BFB11631}"/>
+              </a:ext>
+            </a:extLst>
+          </p:cNvPr>
+          <p:cNvPicPr>
+            <a:picLocks noChangeAspect="1"/>
+          </p:cNvPicPr>
+          <p:nvPr/>
+        </p:nvPicPr>
+        <p:blipFill>
+          <a:blip r:embed="rId3">
+            <a:extLst>
+              <a:ext uri="{28A0092B-C50C-407E-A947-70E740481C1C}">
+                <a14:useLocalDpi xmlns:a14="http://schemas.microsoft.com/office/drawing/2010/main" val="0"/>
+              </a:ext>
+            </a:extLst>
+          </a:blip>
+          <a:stretch>
+            <a:fillRect/>
+          </a:stretch>
+        </p:blipFill>
+        <p:spPr>
+          <a:xfrm>
+            <a:off x="2667000" y="0"/>
+            <a:ext cx="6858000" cy="6858000"/>
+          </a:xfrm>
+          <a:prstGeom prst="rect">
+            <a:avLst/>
+          </a:prstGeom>
+        </p:spPr>
+      </p:pic>
+    </p:spTree>
+    <p:extLst>
+      <p:ext uri="{BB962C8B-B14F-4D97-AF65-F5344CB8AC3E}">
+        <p14:creationId xmlns:p14="http://schemas.microsoft.com/office/powerpoint/2010/main" val="2209613570"/>
+      </p:ext>
+    </p:extLst>
+  </p:cSld>
+  <p:clrMapOvr>
+    <a:masterClrMapping/>
+  </p:clrMapOvr>
+  <p:timing>
+    <p:tnLst>
+      <p:par>
+        <p:cTn id="1" dur="indefinite" restart="never" nodeType="tmRoot">
+          <p:childTnLst>
+            <p:seq concurrent="1" nextAc="seek">
+              <p:cTn id="2" dur="indefinite" nodeType="mainSeq">
+                <p:childTnLst>
+                  <p:par>
+                    <p:cTn id="3" fill="hold">
+                      <p:stCondLst>
+                        <p:cond delay="indefinite"/>
+                      </p:stCondLst>
+                      <p:childTnLst>
+                        <p:par>
+                          <p:cTn id="4" fill="hold">
+                            <p:stCondLst>
+                              <p:cond delay="0"/>
+                            </p:stCondLst>
+                            <p:childTnLst>
+                              <p:par>
+                                <p:cTn id="5" presetID="8" presetClass="emph" presetSubtype="0" fill="hold" nodeType="clickEffect">
+                                  <p:stCondLst>
+                                    <p:cond delay="0"/>
+                                  </p:stCondLst>
+                                  <p:childTnLst>
+                                    <p:animRot by="1800000">
+                                      <p:cBhvr>
+                                        <p:cTn id="6" dur="500" fill="hold"/>
+                                        <p:tgtEl>
+                                          <p:spTgt spid="9"/>
+                                        </p:tgtEl>
+                                        <p:attrNameLst>
+                                          <p:attrName>r</p:attrName>
+                                        </p:attrNameLst>
+                                      </p:cBhvr>
+                                    </p:animRot>
+                                  </p:childTnLst>
+                                </p:cTn>
+                              </p:par>
+                            </p:childTnLst>
+                          </p:cTn>
+                        </p:par>
+                      </p:childTnLst>
+                    </p:cTn>
+                  </p:par>
+                </p:childTnLst>
+              </p:cTn>
+              <p:prevCondLst>
+                <p:cond evt="onPrev" delay="0">
+                  <p:tgtEl>
+                    <p:sldTgt/>
+                  </p:tgtEl>
+                </p:cond>
+              </p:prevCondLst>
+              <p:nextCondLst>
+                <p:cond evt="onNext" delay="0">
+                  <p:tgtEl>
+                    <p:sldTgt/>
+                  </p:tgtEl>
+                </p:cond>
+              </p:nextCondLst>
+            </p:seq>
+          </p:childTnLst>
+        </p:cTn>
+      </p:par>
+    </p:tnLst>
+  </p:timing>
+</p:sld>
+</file>
+
 <file path=ppt/slides/slide2.xml><?xml version="1.0" encoding="utf-8"?>
 <p:sld xmlns:a="http://schemas.openxmlformats.org/drawingml/2006/main" xmlns:r="http://schemas.openxmlformats.org/officeDocument/2006/relationships" xmlns:p="http://schemas.openxmlformats.org/presentationml/2006/main">
   <p:cSld>
@@ -4490,12 +4720,42 @@
           <a:chExt cx="0" cy="0"/>
         </a:xfrm>
       </p:grpSpPr>
+      <p:pic>
+        <p:nvPicPr>
+          <p:cNvPr id="3" name="図 2">
+            <a:extLst>
+              <a:ext uri="{FF2B5EF4-FFF2-40B4-BE49-F238E27FC236}">
+                <a16:creationId xmlns:a16="http://schemas.microsoft.com/office/drawing/2014/main" id="{46D987CF-B49F-C99A-8B1E-56FABEBCB3D6}"/>
+              </a:ext>
+            </a:extLst>
+          </p:cNvPr>
+          <p:cNvPicPr>
+            <a:picLocks noChangeAspect="1"/>
+          </p:cNvPicPr>
+          <p:nvPr/>
+        </p:nvPicPr>
+        <p:blipFill>
+          <a:blip r:embed="rId2"/>
+          <a:stretch>
+            <a:fillRect/>
+          </a:stretch>
+        </p:blipFill>
+        <p:spPr>
+          <a:xfrm>
+            <a:off x="3184257" y="464316"/>
+            <a:ext cx="5823485" cy="5929367"/>
+          </a:xfrm>
+          <a:prstGeom prst="rect">
+            <a:avLst/>
+          </a:prstGeom>
+        </p:spPr>
+      </p:pic>
       <p:sp>
         <p:nvSpPr>
-          <p:cNvPr id="5" name="円: 塗りつぶしなし 4">
-            <a:extLst>
-              <a:ext uri="{FF2B5EF4-FFF2-40B4-BE49-F238E27FC236}">
-                <a16:creationId xmlns:a16="http://schemas.microsoft.com/office/drawing/2014/main" id="{5273E05B-396B-A3D1-9475-92AD8EEF786E}"/>
+          <p:cNvPr id="4" name="円弧 3">
+            <a:extLst>
+              <a:ext uri="{FF2B5EF4-FFF2-40B4-BE49-F238E27FC236}">
+                <a16:creationId xmlns:a16="http://schemas.microsoft.com/office/drawing/2014/main" id="{3E06C386-E852-2B17-236D-A2C7875718E4}"/>
               </a:ext>
             </a:extLst>
           </p:cNvPr>
@@ -4504,18 +4764,190 @@
         </p:nvSpPr>
         <p:spPr>
           <a:xfrm>
-            <a:off x="3396000" y="729000"/>
-            <a:ext cx="5400000" cy="5400000"/>
+            <a:off x="3815113" y="1535348"/>
+            <a:ext cx="3960000" cy="3960000"/>
           </a:xfrm>
-          <a:prstGeom prst="donut">
+          <a:prstGeom prst="arc">
+            <a:avLst>
+              <a:gd name="adj1" fmla="val 16200000"/>
+              <a:gd name="adj2" fmla="val 13825276"/>
+            </a:avLst>
+          </a:prstGeom>
+          <a:ln w="1270000">
+            <a:solidFill>
+              <a:schemeClr val="accent1">
+                <a:alpha val="39000"/>
+              </a:schemeClr>
+            </a:solidFill>
+          </a:ln>
+        </p:spPr>
+        <p:style>
+          <a:lnRef idx="1">
+            <a:schemeClr val="accent1"/>
+          </a:lnRef>
+          <a:fillRef idx="0">
+            <a:schemeClr val="accent1"/>
+          </a:fillRef>
+          <a:effectRef idx="0">
+            <a:schemeClr val="accent1"/>
+          </a:effectRef>
+          <a:fontRef idx="minor">
+            <a:schemeClr val="tx1"/>
+          </a:fontRef>
+        </p:style>
+        <p:txBody>
+          <a:bodyPr rtlCol="0" anchor="ctr"/>
+          <a:lstStyle/>
+          <a:p>
+            <a:pPr algn="ctr"/>
+            <a:endParaRPr kumimoji="1" lang="ja-JP" altLang="en-US"/>
+          </a:p>
+        </p:txBody>
+      </p:sp>
+      <p:sp>
+        <p:nvSpPr>
+          <p:cNvPr id="19" name="フリーフォーム: 図形 18">
+            <a:extLst>
+              <a:ext uri="{FF2B5EF4-FFF2-40B4-BE49-F238E27FC236}">
+                <a16:creationId xmlns:a16="http://schemas.microsoft.com/office/drawing/2014/main" id="{72854107-1855-1E7C-4474-726A4FD88FA2}"/>
+              </a:ext>
+            </a:extLst>
+          </p:cNvPr>
+          <p:cNvSpPr/>
+          <p:nvPr/>
+        </p:nvSpPr>
+        <p:spPr>
+          <a:xfrm rot="3184848">
+            <a:off x="3972472" y="1149308"/>
+            <a:ext cx="1814460" cy="1154076"/>
+          </a:xfrm>
+          <a:custGeom>
+            <a:avLst/>
+            <a:gdLst>
+              <a:gd name="connsiteX0" fmla="*/ 0 w 1814460"/>
+              <a:gd name="connsiteY0" fmla="*/ 791403 h 1154076"/>
+              <a:gd name="connsiteX1" fmla="*/ 605869 w 1814460"/>
+              <a:gd name="connsiteY1" fmla="*/ 32276 h 1154076"/>
+              <a:gd name="connsiteX2" fmla="*/ 1242265 w 1814460"/>
+              <a:gd name="connsiteY2" fmla="*/ 0 h 1154076"/>
+              <a:gd name="connsiteX3" fmla="*/ 1814460 w 1814460"/>
+              <a:gd name="connsiteY3" fmla="*/ 716935 h 1154076"/>
+              <a:gd name="connsiteX4" fmla="*/ 1604313 w 1814460"/>
+              <a:gd name="connsiteY4" fmla="*/ 1154076 h 1154076"/>
+              <a:gd name="connsiteX5" fmla="*/ 182057 w 1814460"/>
+              <a:gd name="connsiteY5" fmla="*/ 1154076 h 1154076"/>
+            </a:gdLst>
+            <a:ahLst/>
+            <a:cxnLst>
+              <a:cxn ang="0">
+                <a:pos x="connsiteX0" y="connsiteY0"/>
+              </a:cxn>
+              <a:cxn ang="0">
+                <a:pos x="connsiteX1" y="connsiteY1"/>
+              </a:cxn>
+              <a:cxn ang="0">
+                <a:pos x="connsiteX2" y="connsiteY2"/>
+              </a:cxn>
+              <a:cxn ang="0">
+                <a:pos x="connsiteX3" y="connsiteY3"/>
+              </a:cxn>
+              <a:cxn ang="0">
+                <a:pos x="connsiteX4" y="connsiteY4"/>
+              </a:cxn>
+              <a:cxn ang="0">
+                <a:pos x="connsiteX5" y="connsiteY5"/>
+              </a:cxn>
+            </a:cxnLst>
+            <a:rect l="l" t="t" r="r" b="b"/>
+            <a:pathLst>
+              <a:path w="1814460" h="1154076">
+                <a:moveTo>
+                  <a:pt x="0" y="791403"/>
+                </a:moveTo>
+                <a:lnTo>
+                  <a:pt x="605869" y="32276"/>
+                </a:lnTo>
+                <a:lnTo>
+                  <a:pt x="1242265" y="0"/>
+                </a:lnTo>
+                <a:lnTo>
+                  <a:pt x="1814460" y="716935"/>
+                </a:lnTo>
+                <a:lnTo>
+                  <a:pt x="1604313" y="1154076"/>
+                </a:lnTo>
+                <a:lnTo>
+                  <a:pt x="182057" y="1154076"/>
+                </a:lnTo>
+                <a:close/>
+              </a:path>
+            </a:pathLst>
+          </a:custGeom>
+          <a:solidFill>
+            <a:schemeClr val="accent1">
+              <a:alpha val="42000"/>
+            </a:schemeClr>
+          </a:solidFill>
+          <a:ln>
+            <a:solidFill>
+              <a:schemeClr val="accent1">
+                <a:shade val="15000"/>
+              </a:schemeClr>
+            </a:solidFill>
+          </a:ln>
+        </p:spPr>
+        <p:style>
+          <a:lnRef idx="2">
+            <a:schemeClr val="accent1">
+              <a:shade val="15000"/>
+            </a:schemeClr>
+          </a:lnRef>
+          <a:fillRef idx="1">
+            <a:schemeClr val="accent1"/>
+          </a:fillRef>
+          <a:effectRef idx="0">
+            <a:schemeClr val="accent1"/>
+          </a:effectRef>
+          <a:fontRef idx="minor">
+            <a:schemeClr val="lt1"/>
+          </a:fontRef>
+        </p:style>
+        <p:txBody>
+          <a:bodyPr wrap="square" rtlCol="0" anchor="ctr">
+            <a:noAutofit/>
+          </a:bodyPr>
+          <a:lstStyle/>
+          <a:p>
+            <a:pPr algn="ctr"/>
+            <a:endParaRPr kumimoji="1" lang="ja-JP" altLang="en-US"/>
+          </a:p>
+        </p:txBody>
+      </p:sp>
+      <p:sp>
+        <p:nvSpPr>
+          <p:cNvPr id="7" name="楕円 6">
+            <a:extLst>
+              <a:ext uri="{FF2B5EF4-FFF2-40B4-BE49-F238E27FC236}">
+                <a16:creationId xmlns:a16="http://schemas.microsoft.com/office/drawing/2014/main" id="{89F5AE4D-5258-F6C2-5F80-0E2F8F4CAAE0}"/>
+              </a:ext>
+            </a:extLst>
+          </p:cNvPr>
+          <p:cNvSpPr/>
+          <p:nvPr/>
+        </p:nvSpPr>
+        <p:spPr>
+          <a:xfrm>
+            <a:off x="4756150" y="1157287"/>
+            <a:ext cx="780256" cy="878682"/>
+          </a:xfrm>
+          <a:prstGeom prst="ellipse">
             <a:avLst/>
           </a:prstGeom>
-          <a:blipFill>
-            <a:blip r:embed="rId2"/>
-            <a:stretch>
-              <a:fillRect/>
-            </a:stretch>
-          </a:blipFill>
+          <a:solidFill>
+            <a:schemeClr val="accent1">
+              <a:alpha val="50000"/>
+            </a:schemeClr>
+          </a:solidFill>
         </p:spPr>
         <p:style>
           <a:lnRef idx="2">
@@ -4538,11 +4970,99 @@
           <a:lstStyle/>
           <a:p>
             <a:pPr algn="ctr"/>
-            <a:endParaRPr kumimoji="1" lang="ja-JP" altLang="en-US">
-              <a:solidFill>
-                <a:schemeClr val="tx1"/>
-              </a:solidFill>
-            </a:endParaRPr>
+            <a:endParaRPr kumimoji="1" lang="ja-JP" altLang="en-US"/>
+          </a:p>
+        </p:txBody>
+      </p:sp>
+      <p:sp>
+        <p:nvSpPr>
+          <p:cNvPr id="11" name="楕円 10">
+            <a:extLst>
+              <a:ext uri="{FF2B5EF4-FFF2-40B4-BE49-F238E27FC236}">
+                <a16:creationId xmlns:a16="http://schemas.microsoft.com/office/drawing/2014/main" id="{04AC9C56-8310-5C94-356D-AB7D78A0DFF3}"/>
+              </a:ext>
+            </a:extLst>
+          </p:cNvPr>
+          <p:cNvSpPr/>
+          <p:nvPr/>
+        </p:nvSpPr>
+        <p:spPr>
+          <a:xfrm>
+            <a:off x="3926681" y="1126331"/>
+            <a:ext cx="431006" cy="440532"/>
+          </a:xfrm>
+          <a:prstGeom prst="ellipse">
+            <a:avLst/>
+          </a:prstGeom>
+        </p:spPr>
+        <p:style>
+          <a:lnRef idx="2">
+            <a:schemeClr val="accent1">
+              <a:shade val="15000"/>
+            </a:schemeClr>
+          </a:lnRef>
+          <a:fillRef idx="1">
+            <a:schemeClr val="accent1"/>
+          </a:fillRef>
+          <a:effectRef idx="0">
+            <a:schemeClr val="accent1"/>
+          </a:effectRef>
+          <a:fontRef idx="minor">
+            <a:schemeClr val="lt1"/>
+          </a:fontRef>
+        </p:style>
+        <p:txBody>
+          <a:bodyPr rtlCol="0" anchor="ctr"/>
+          <a:lstStyle/>
+          <a:p>
+            <a:pPr algn="ctr"/>
+            <a:endParaRPr kumimoji="1" lang="ja-JP" altLang="en-US"/>
+          </a:p>
+        </p:txBody>
+      </p:sp>
+      <p:sp>
+        <p:nvSpPr>
+          <p:cNvPr id="15" name="楕円 14">
+            <a:extLst>
+              <a:ext uri="{FF2B5EF4-FFF2-40B4-BE49-F238E27FC236}">
+                <a16:creationId xmlns:a16="http://schemas.microsoft.com/office/drawing/2014/main" id="{A72A198B-FE1A-FF99-6B5F-E456A18CACD6}"/>
+              </a:ext>
+            </a:extLst>
+          </p:cNvPr>
+          <p:cNvSpPr/>
+          <p:nvPr/>
+        </p:nvSpPr>
+        <p:spPr>
+          <a:xfrm>
+            <a:off x="4797114" y="2252963"/>
+            <a:ext cx="514350" cy="492919"/>
+          </a:xfrm>
+          <a:prstGeom prst="ellipse">
+            <a:avLst/>
+          </a:prstGeom>
+        </p:spPr>
+        <p:style>
+          <a:lnRef idx="2">
+            <a:schemeClr val="accent1">
+              <a:shade val="15000"/>
+            </a:schemeClr>
+          </a:lnRef>
+          <a:fillRef idx="1">
+            <a:schemeClr val="accent1"/>
+          </a:fillRef>
+          <a:effectRef idx="0">
+            <a:schemeClr val="accent1"/>
+          </a:effectRef>
+          <a:fontRef idx="minor">
+            <a:schemeClr val="lt1"/>
+          </a:fontRef>
+        </p:style>
+        <p:txBody>
+          <a:bodyPr rtlCol="0" anchor="ctr"/>
+          <a:lstStyle/>
+          <a:p>
+            <a:pPr algn="ctr"/>
+            <a:endParaRPr kumimoji="1" lang="ja-JP" altLang="en-US"/>
           </a:p>
         </p:txBody>
       </p:sp>
@@ -4550,6 +5070,2856 @@
     <p:extLst>
       <p:ext uri="{BB962C8B-B14F-4D97-AF65-F5344CB8AC3E}">
         <p14:creationId xmlns:p14="http://schemas.microsoft.com/office/powerpoint/2010/main" val="3114204248"/>
+      </p:ext>
+    </p:extLst>
+  </p:cSld>
+  <p:clrMapOvr>
+    <a:masterClrMapping/>
+  </p:clrMapOvr>
+</p:sld>
+</file>
+
+<file path=ppt/slides/slide5.xml><?xml version="1.0" encoding="utf-8"?>
+<p:sld xmlns:a="http://schemas.openxmlformats.org/drawingml/2006/main" xmlns:r="http://schemas.openxmlformats.org/officeDocument/2006/relationships" xmlns:p="http://schemas.openxmlformats.org/presentationml/2006/main">
+  <p:cSld>
+    <p:spTree>
+      <p:nvGrpSpPr>
+        <p:cNvPr id="1" name=""/>
+        <p:cNvGrpSpPr/>
+        <p:nvPr/>
+      </p:nvGrpSpPr>
+      <p:grpSpPr>
+        <a:xfrm>
+          <a:off x="0" y="0"/>
+          <a:ext cx="0" cy="0"/>
+          <a:chOff x="0" y="0"/>
+          <a:chExt cx="0" cy="0"/>
+        </a:xfrm>
+      </p:grpSpPr>
+      <p:sp>
+        <p:nvSpPr>
+          <p:cNvPr id="4" name="円弧 3">
+            <a:extLst>
+              <a:ext uri="{FF2B5EF4-FFF2-40B4-BE49-F238E27FC236}">
+                <a16:creationId xmlns:a16="http://schemas.microsoft.com/office/drawing/2014/main" id="{3E06C386-E852-2B17-236D-A2C7875718E4}"/>
+              </a:ext>
+            </a:extLst>
+          </p:cNvPr>
+          <p:cNvSpPr/>
+          <p:nvPr/>
+        </p:nvSpPr>
+        <p:spPr>
+          <a:xfrm>
+            <a:off x="3815113" y="1535348"/>
+            <a:ext cx="3960000" cy="3960000"/>
+          </a:xfrm>
+          <a:prstGeom prst="arc">
+            <a:avLst>
+              <a:gd name="adj1" fmla="val 16200000"/>
+              <a:gd name="adj2" fmla="val 16181080"/>
+            </a:avLst>
+          </a:prstGeom>
+          <a:ln w="1270000">
+            <a:solidFill>
+              <a:schemeClr val="accent1">
+                <a:alpha val="39000"/>
+              </a:schemeClr>
+            </a:solidFill>
+          </a:ln>
+        </p:spPr>
+        <p:style>
+          <a:lnRef idx="1">
+            <a:schemeClr val="accent1"/>
+          </a:lnRef>
+          <a:fillRef idx="0">
+            <a:schemeClr val="accent1"/>
+          </a:fillRef>
+          <a:effectRef idx="0">
+            <a:schemeClr val="accent1"/>
+          </a:effectRef>
+          <a:fontRef idx="minor">
+            <a:schemeClr val="tx1"/>
+          </a:fontRef>
+        </p:style>
+        <p:txBody>
+          <a:bodyPr rtlCol="0" anchor="ctr"/>
+          <a:lstStyle/>
+          <a:p>
+            <a:pPr algn="ctr"/>
+            <a:endParaRPr kumimoji="1" lang="ja-JP" altLang="en-US"/>
+          </a:p>
+        </p:txBody>
+      </p:sp>
+    </p:spTree>
+    <p:extLst>
+      <p:ext uri="{BB962C8B-B14F-4D97-AF65-F5344CB8AC3E}">
+        <p14:creationId xmlns:p14="http://schemas.microsoft.com/office/powerpoint/2010/main" val="2324257381"/>
+      </p:ext>
+    </p:extLst>
+  </p:cSld>
+  <p:clrMapOvr>
+    <a:masterClrMapping/>
+  </p:clrMapOvr>
+</p:sld>
+</file>
+
+<file path=ppt/slides/slide6.xml><?xml version="1.0" encoding="utf-8"?>
+<p:sld xmlns:a="http://schemas.openxmlformats.org/drawingml/2006/main" xmlns:r="http://schemas.openxmlformats.org/officeDocument/2006/relationships" xmlns:p="http://schemas.openxmlformats.org/presentationml/2006/main">
+  <p:cSld>
+    <p:spTree>
+      <p:nvGrpSpPr>
+        <p:cNvPr id="1" name=""/>
+        <p:cNvGrpSpPr/>
+        <p:nvPr/>
+      </p:nvGrpSpPr>
+      <p:grpSpPr>
+        <a:xfrm>
+          <a:off x="0" y="0"/>
+          <a:ext cx="0" cy="0"/>
+          <a:chOff x="0" y="0"/>
+          <a:chExt cx="0" cy="0"/>
+        </a:xfrm>
+      </p:grpSpPr>
+      <p:sp>
+        <p:nvSpPr>
+          <p:cNvPr id="4" name="正方形/長方形 3">
+            <a:extLst>
+              <a:ext uri="{FF2B5EF4-FFF2-40B4-BE49-F238E27FC236}">
+                <a16:creationId xmlns:a16="http://schemas.microsoft.com/office/drawing/2014/main" id="{8C11F4A2-8D2F-FB59-06C0-65FE7C0485FA}"/>
+              </a:ext>
+            </a:extLst>
+          </p:cNvPr>
+          <p:cNvSpPr/>
+          <p:nvPr/>
+        </p:nvSpPr>
+        <p:spPr>
+          <a:xfrm>
+            <a:off x="0" y="0"/>
+            <a:ext cx="12192000" cy="6858000"/>
+          </a:xfrm>
+          <a:prstGeom prst="rect">
+            <a:avLst/>
+          </a:prstGeom>
+          <a:solidFill>
+            <a:srgbClr val="FEE356"/>
+          </a:solidFill>
+          <a:ln>
+            <a:solidFill>
+              <a:srgbClr val="EDE6EC"/>
+            </a:solidFill>
+          </a:ln>
+        </p:spPr>
+        <p:style>
+          <a:lnRef idx="2">
+            <a:schemeClr val="accent1">
+              <a:shade val="15000"/>
+            </a:schemeClr>
+          </a:lnRef>
+          <a:fillRef idx="1">
+            <a:schemeClr val="accent1"/>
+          </a:fillRef>
+          <a:effectRef idx="0">
+            <a:schemeClr val="accent1"/>
+          </a:effectRef>
+          <a:fontRef idx="minor">
+            <a:schemeClr val="lt1"/>
+          </a:fontRef>
+        </p:style>
+        <p:txBody>
+          <a:bodyPr rtlCol="0" anchor="ctr"/>
+          <a:lstStyle/>
+          <a:p>
+            <a:pPr algn="ctr"/>
+            <a:endParaRPr kumimoji="1" lang="ja-JP" altLang="en-US"/>
+          </a:p>
+        </p:txBody>
+      </p:sp>
+      <p:pic>
+        <p:nvPicPr>
+          <p:cNvPr id="3" name="図 2" descr="ロゴ, アイコン&#10;&#10;自動的に生成された説明">
+            <a:extLst>
+              <a:ext uri="{FF2B5EF4-FFF2-40B4-BE49-F238E27FC236}">
+                <a16:creationId xmlns:a16="http://schemas.microsoft.com/office/drawing/2014/main" id="{D7A3933A-2E2D-DCB1-AC7F-F31FD8AE8F8C}"/>
+              </a:ext>
+            </a:extLst>
+          </p:cNvPr>
+          <p:cNvPicPr>
+            <a:picLocks noChangeAspect="1"/>
+          </p:cNvPicPr>
+          <p:nvPr/>
+        </p:nvPicPr>
+        <p:blipFill>
+          <a:blip r:embed="rId2">
+            <a:extLst>
+              <a:ext uri="{28A0092B-C50C-407E-A947-70E740481C1C}">
+                <a14:useLocalDpi xmlns:a14="http://schemas.microsoft.com/office/drawing/2010/main" val="0"/>
+              </a:ext>
+            </a:extLst>
+          </a:blip>
+          <a:stretch>
+            <a:fillRect/>
+          </a:stretch>
+        </p:blipFill>
+        <p:spPr>
+          <a:xfrm>
+            <a:off x="2667000" y="0"/>
+            <a:ext cx="6858000" cy="6858000"/>
+          </a:xfrm>
+          <a:prstGeom prst="rect">
+            <a:avLst/>
+          </a:prstGeom>
+        </p:spPr>
+      </p:pic>
+      <p:sp>
+        <p:nvSpPr>
+          <p:cNvPr id="5" name="楕円 4">
+            <a:extLst>
+              <a:ext uri="{FF2B5EF4-FFF2-40B4-BE49-F238E27FC236}">
+                <a16:creationId xmlns:a16="http://schemas.microsoft.com/office/drawing/2014/main" id="{3CC834B5-2CD5-FC28-1B0B-17DB72627E55}"/>
+              </a:ext>
+            </a:extLst>
+          </p:cNvPr>
+          <p:cNvSpPr/>
+          <p:nvPr/>
+        </p:nvSpPr>
+        <p:spPr>
+          <a:xfrm rot="20910173">
+            <a:off x="4015248" y="468073"/>
+            <a:ext cx="445583" cy="177718"/>
+          </a:xfrm>
+          <a:prstGeom prst="ellipse">
+            <a:avLst/>
+          </a:prstGeom>
+          <a:solidFill>
+            <a:schemeClr val="bg1">
+              <a:alpha val="80000"/>
+            </a:schemeClr>
+          </a:solidFill>
+          <a:ln>
+            <a:noFill/>
+          </a:ln>
+        </p:spPr>
+        <p:style>
+          <a:lnRef idx="2">
+            <a:schemeClr val="accent1">
+              <a:shade val="15000"/>
+            </a:schemeClr>
+          </a:lnRef>
+          <a:fillRef idx="1">
+            <a:schemeClr val="accent1"/>
+          </a:fillRef>
+          <a:effectRef idx="0">
+            <a:schemeClr val="accent1"/>
+          </a:effectRef>
+          <a:fontRef idx="minor">
+            <a:schemeClr val="lt1"/>
+          </a:fontRef>
+        </p:style>
+        <p:txBody>
+          <a:bodyPr rtlCol="0" anchor="ctr"/>
+          <a:lstStyle/>
+          <a:p>
+            <a:pPr algn="ctr"/>
+            <a:endParaRPr kumimoji="1" lang="ja-JP" altLang="en-US"/>
+          </a:p>
+        </p:txBody>
+      </p:sp>
+      <p:sp>
+        <p:nvSpPr>
+          <p:cNvPr id="6" name="楕円 5">
+            <a:extLst>
+              <a:ext uri="{FF2B5EF4-FFF2-40B4-BE49-F238E27FC236}">
+                <a16:creationId xmlns:a16="http://schemas.microsoft.com/office/drawing/2014/main" id="{588DE876-BDB7-6DF4-AD3F-B6C35FA46B2A}"/>
+              </a:ext>
+            </a:extLst>
+          </p:cNvPr>
+          <p:cNvSpPr/>
+          <p:nvPr/>
+        </p:nvSpPr>
+        <p:spPr>
+          <a:xfrm rot="5006545">
+            <a:off x="5403430" y="833004"/>
+            <a:ext cx="255597" cy="163136"/>
+          </a:xfrm>
+          <a:prstGeom prst="ellipse">
+            <a:avLst/>
+          </a:prstGeom>
+          <a:solidFill>
+            <a:schemeClr val="bg1">
+              <a:alpha val="80000"/>
+            </a:schemeClr>
+          </a:solidFill>
+          <a:ln>
+            <a:noFill/>
+          </a:ln>
+        </p:spPr>
+        <p:style>
+          <a:lnRef idx="2">
+            <a:schemeClr val="accent1">
+              <a:shade val="15000"/>
+            </a:schemeClr>
+          </a:lnRef>
+          <a:fillRef idx="1">
+            <a:schemeClr val="accent1"/>
+          </a:fillRef>
+          <a:effectRef idx="0">
+            <a:schemeClr val="accent1"/>
+          </a:effectRef>
+          <a:fontRef idx="minor">
+            <a:schemeClr val="lt1"/>
+          </a:fontRef>
+        </p:style>
+        <p:txBody>
+          <a:bodyPr rtlCol="0" anchor="ctr"/>
+          <a:lstStyle/>
+          <a:p>
+            <a:pPr algn="ctr"/>
+            <a:endParaRPr kumimoji="1" lang="ja-JP" altLang="en-US"/>
+          </a:p>
+        </p:txBody>
+      </p:sp>
+      <p:sp>
+        <p:nvSpPr>
+          <p:cNvPr id="7" name="楕円 6">
+            <a:extLst>
+              <a:ext uri="{FF2B5EF4-FFF2-40B4-BE49-F238E27FC236}">
+                <a16:creationId xmlns:a16="http://schemas.microsoft.com/office/drawing/2014/main" id="{EB800B0C-0F85-CE1B-4886-27226E6AC109}"/>
+              </a:ext>
+            </a:extLst>
+          </p:cNvPr>
+          <p:cNvSpPr/>
+          <p:nvPr/>
+        </p:nvSpPr>
+        <p:spPr>
+          <a:xfrm rot="6109647">
+            <a:off x="5163641" y="1339622"/>
+            <a:ext cx="573325" cy="127089"/>
+          </a:xfrm>
+          <a:prstGeom prst="ellipse">
+            <a:avLst/>
+          </a:prstGeom>
+          <a:solidFill>
+            <a:schemeClr val="bg1">
+              <a:alpha val="80000"/>
+            </a:schemeClr>
+          </a:solidFill>
+          <a:ln>
+            <a:noFill/>
+          </a:ln>
+        </p:spPr>
+        <p:style>
+          <a:lnRef idx="2">
+            <a:schemeClr val="accent1">
+              <a:shade val="15000"/>
+            </a:schemeClr>
+          </a:lnRef>
+          <a:fillRef idx="1">
+            <a:schemeClr val="accent1"/>
+          </a:fillRef>
+          <a:effectRef idx="0">
+            <a:schemeClr val="accent1"/>
+          </a:effectRef>
+          <a:fontRef idx="minor">
+            <a:schemeClr val="lt1"/>
+          </a:fontRef>
+        </p:style>
+        <p:txBody>
+          <a:bodyPr rtlCol="0" anchor="ctr"/>
+          <a:lstStyle/>
+          <a:p>
+            <a:pPr algn="ctr"/>
+            <a:endParaRPr kumimoji="1" lang="ja-JP" altLang="en-US"/>
+          </a:p>
+        </p:txBody>
+      </p:sp>
+      <p:sp>
+        <p:nvSpPr>
+          <p:cNvPr id="8" name="楕円 7">
+            <a:extLst>
+              <a:ext uri="{FF2B5EF4-FFF2-40B4-BE49-F238E27FC236}">
+                <a16:creationId xmlns:a16="http://schemas.microsoft.com/office/drawing/2014/main" id="{FD612A28-D202-AE34-CC52-60FB018DBC2F}"/>
+              </a:ext>
+            </a:extLst>
+          </p:cNvPr>
+          <p:cNvSpPr/>
+          <p:nvPr/>
+        </p:nvSpPr>
+        <p:spPr>
+          <a:xfrm rot="19331957">
+            <a:off x="7931260" y="5847014"/>
+            <a:ext cx="555407" cy="182456"/>
+          </a:xfrm>
+          <a:prstGeom prst="ellipse">
+            <a:avLst/>
+          </a:prstGeom>
+          <a:solidFill>
+            <a:schemeClr val="bg1">
+              <a:alpha val="80000"/>
+            </a:schemeClr>
+          </a:solidFill>
+          <a:ln>
+            <a:noFill/>
+          </a:ln>
+        </p:spPr>
+        <p:style>
+          <a:lnRef idx="2">
+            <a:schemeClr val="accent1">
+              <a:shade val="15000"/>
+            </a:schemeClr>
+          </a:lnRef>
+          <a:fillRef idx="1">
+            <a:schemeClr val="accent1"/>
+          </a:fillRef>
+          <a:effectRef idx="0">
+            <a:schemeClr val="accent1"/>
+          </a:effectRef>
+          <a:fontRef idx="minor">
+            <a:schemeClr val="lt1"/>
+          </a:fontRef>
+        </p:style>
+        <p:txBody>
+          <a:bodyPr rtlCol="0" anchor="ctr"/>
+          <a:lstStyle/>
+          <a:p>
+            <a:pPr algn="ctr"/>
+            <a:endParaRPr kumimoji="1" lang="ja-JP" altLang="en-US"/>
+          </a:p>
+        </p:txBody>
+      </p:sp>
+      <p:sp>
+        <p:nvSpPr>
+          <p:cNvPr id="9" name="楕円 8">
+            <a:extLst>
+              <a:ext uri="{FF2B5EF4-FFF2-40B4-BE49-F238E27FC236}">
+                <a16:creationId xmlns:a16="http://schemas.microsoft.com/office/drawing/2014/main" id="{6FB1E6FA-51CB-E55C-0859-A4A3F712E979}"/>
+              </a:ext>
+            </a:extLst>
+          </p:cNvPr>
+          <p:cNvSpPr/>
+          <p:nvPr/>
+        </p:nvSpPr>
+        <p:spPr>
+          <a:xfrm rot="21101030">
+            <a:off x="5271332" y="139174"/>
+            <a:ext cx="373572" cy="94866"/>
+          </a:xfrm>
+          <a:prstGeom prst="ellipse">
+            <a:avLst/>
+          </a:prstGeom>
+          <a:solidFill>
+            <a:schemeClr val="bg1">
+              <a:alpha val="80000"/>
+            </a:schemeClr>
+          </a:solidFill>
+          <a:ln>
+            <a:noFill/>
+          </a:ln>
+        </p:spPr>
+        <p:style>
+          <a:lnRef idx="2">
+            <a:schemeClr val="accent1">
+              <a:shade val="15000"/>
+            </a:schemeClr>
+          </a:lnRef>
+          <a:fillRef idx="1">
+            <a:schemeClr val="accent1"/>
+          </a:fillRef>
+          <a:effectRef idx="0">
+            <a:schemeClr val="accent1"/>
+          </a:effectRef>
+          <a:fontRef idx="minor">
+            <a:schemeClr val="lt1"/>
+          </a:fontRef>
+        </p:style>
+        <p:txBody>
+          <a:bodyPr rtlCol="0" anchor="ctr"/>
+          <a:lstStyle/>
+          <a:p>
+            <a:pPr algn="ctr"/>
+            <a:endParaRPr kumimoji="1" lang="ja-JP" altLang="en-US"/>
+          </a:p>
+        </p:txBody>
+      </p:sp>
+    </p:spTree>
+    <p:extLst>
+      <p:ext uri="{BB962C8B-B14F-4D97-AF65-F5344CB8AC3E}">
+        <p14:creationId xmlns:p14="http://schemas.microsoft.com/office/powerpoint/2010/main" val="4255822741"/>
+      </p:ext>
+    </p:extLst>
+  </p:cSld>
+  <p:clrMapOvr>
+    <a:masterClrMapping/>
+  </p:clrMapOvr>
+</p:sld>
+</file>
+
+<file path=ppt/slides/slide7.xml><?xml version="1.0" encoding="utf-8"?>
+<p:sld xmlns:a="http://schemas.openxmlformats.org/drawingml/2006/main" xmlns:r="http://schemas.openxmlformats.org/officeDocument/2006/relationships" xmlns:p="http://schemas.openxmlformats.org/presentationml/2006/main">
+  <p:cSld>
+    <p:spTree>
+      <p:nvGrpSpPr>
+        <p:cNvPr id="1" name=""/>
+        <p:cNvGrpSpPr/>
+        <p:nvPr/>
+      </p:nvGrpSpPr>
+      <p:grpSpPr>
+        <a:xfrm>
+          <a:off x="0" y="0"/>
+          <a:ext cx="0" cy="0"/>
+          <a:chOff x="0" y="0"/>
+          <a:chExt cx="0" cy="0"/>
+        </a:xfrm>
+      </p:grpSpPr>
+      <p:pic>
+        <p:nvPicPr>
+          <p:cNvPr id="6" name="図 5" descr="アイコン&#10;&#10;自動的に生成された説明">
+            <a:extLst>
+              <a:ext uri="{FF2B5EF4-FFF2-40B4-BE49-F238E27FC236}">
+                <a16:creationId xmlns:a16="http://schemas.microsoft.com/office/drawing/2014/main" id="{3469ED80-2249-5AAE-4B40-004A15BD3F9E}"/>
+              </a:ext>
+            </a:extLst>
+          </p:cNvPr>
+          <p:cNvPicPr>
+            <a:picLocks noChangeAspect="1"/>
+          </p:cNvPicPr>
+          <p:nvPr/>
+        </p:nvPicPr>
+        <p:blipFill>
+          <a:blip r:embed="rId2">
+            <a:extLst>
+              <a:ext uri="{28A0092B-C50C-407E-A947-70E740481C1C}">
+                <a14:useLocalDpi xmlns:a14="http://schemas.microsoft.com/office/drawing/2010/main" val="0"/>
+              </a:ext>
+            </a:extLst>
+          </a:blip>
+          <a:stretch>
+            <a:fillRect/>
+          </a:stretch>
+        </p:blipFill>
+        <p:spPr>
+          <a:xfrm>
+            <a:off x="2667000" y="0"/>
+            <a:ext cx="6858000" cy="6858000"/>
+          </a:xfrm>
+          <a:prstGeom prst="rect">
+            <a:avLst/>
+          </a:prstGeom>
+        </p:spPr>
+      </p:pic>
+      <p:grpSp>
+        <p:nvGrpSpPr>
+          <p:cNvPr id="12" name="グループ化 11">
+            <a:extLst>
+              <a:ext uri="{FF2B5EF4-FFF2-40B4-BE49-F238E27FC236}">
+                <a16:creationId xmlns:a16="http://schemas.microsoft.com/office/drawing/2014/main" id="{21BA5651-9A84-54F7-28FF-55F5CFDA3BBA}"/>
+              </a:ext>
+            </a:extLst>
+          </p:cNvPr>
+          <p:cNvGrpSpPr/>
+          <p:nvPr/>
+        </p:nvGrpSpPr>
+        <p:grpSpPr>
+          <a:xfrm>
+            <a:off x="3239440" y="812391"/>
+            <a:ext cx="5713119" cy="5570799"/>
+            <a:chOff x="3141251" y="811896"/>
+            <a:chExt cx="5909496" cy="5571851"/>
+          </a:xfrm>
+        </p:grpSpPr>
+        <p:sp>
+          <p:nvSpPr>
+            <p:cNvPr id="15" name="フリーフォーム: 図形 14">
+              <a:extLst>
+                <a:ext uri="{FF2B5EF4-FFF2-40B4-BE49-F238E27FC236}">
+                  <a16:creationId xmlns:a16="http://schemas.microsoft.com/office/drawing/2014/main" id="{3D40B897-98C7-E952-170C-5D78D2776DFB}"/>
+                </a:ext>
+              </a:extLst>
+            </p:cNvPr>
+            <p:cNvSpPr/>
+            <p:nvPr/>
+          </p:nvSpPr>
+          <p:spPr>
+            <a:xfrm>
+              <a:off x="6921575" y="811896"/>
+              <a:ext cx="869064" cy="869064"/>
+            </a:xfrm>
+            <a:custGeom>
+              <a:avLst/>
+              <a:gdLst>
+                <a:gd name="connsiteX0" fmla="*/ 0 w 869064"/>
+                <a:gd name="connsiteY0" fmla="*/ 434532 h 869064"/>
+                <a:gd name="connsiteX1" fmla="*/ 434532 w 869064"/>
+                <a:gd name="connsiteY1" fmla="*/ 0 h 869064"/>
+                <a:gd name="connsiteX2" fmla="*/ 869064 w 869064"/>
+                <a:gd name="connsiteY2" fmla="*/ 434532 h 869064"/>
+                <a:gd name="connsiteX3" fmla="*/ 434532 w 869064"/>
+                <a:gd name="connsiteY3" fmla="*/ 869064 h 869064"/>
+                <a:gd name="connsiteX4" fmla="*/ 0 w 869064"/>
+                <a:gd name="connsiteY4" fmla="*/ 434532 h 869064"/>
+              </a:gdLst>
+              <a:ahLst/>
+              <a:cxnLst>
+                <a:cxn ang="0">
+                  <a:pos x="connsiteX0" y="connsiteY0"/>
+                </a:cxn>
+                <a:cxn ang="0">
+                  <a:pos x="connsiteX1" y="connsiteY1"/>
+                </a:cxn>
+                <a:cxn ang="0">
+                  <a:pos x="connsiteX2" y="connsiteY2"/>
+                </a:cxn>
+                <a:cxn ang="0">
+                  <a:pos x="connsiteX3" y="connsiteY3"/>
+                </a:cxn>
+                <a:cxn ang="0">
+                  <a:pos x="connsiteX4" y="connsiteY4"/>
+                </a:cxn>
+              </a:cxnLst>
+              <a:rect l="l" t="t" r="r" b="b"/>
+              <a:pathLst>
+                <a:path w="869064" h="869064">
+                  <a:moveTo>
+                    <a:pt x="0" y="434532"/>
+                  </a:moveTo>
+                  <a:cubicBezTo>
+                    <a:pt x="0" y="194547"/>
+                    <a:pt x="194547" y="0"/>
+                    <a:pt x="434532" y="0"/>
+                  </a:cubicBezTo>
+                  <a:cubicBezTo>
+                    <a:pt x="674517" y="0"/>
+                    <a:pt x="869064" y="194547"/>
+                    <a:pt x="869064" y="434532"/>
+                  </a:cubicBezTo>
+                  <a:cubicBezTo>
+                    <a:pt x="869064" y="674517"/>
+                    <a:pt x="674517" y="869064"/>
+                    <a:pt x="434532" y="869064"/>
+                  </a:cubicBezTo>
+                  <a:cubicBezTo>
+                    <a:pt x="194547" y="869064"/>
+                    <a:pt x="0" y="674517"/>
+                    <a:pt x="0" y="434532"/>
+                  </a:cubicBezTo>
+                  <a:close/>
+                </a:path>
+              </a:pathLst>
+            </a:custGeom>
+          </p:spPr>
+          <p:style>
+            <a:lnRef idx="2">
+              <a:schemeClr val="lt1">
+                <a:hueOff val="0"/>
+                <a:satOff val="0"/>
+                <a:lumOff val="0"/>
+                <a:alphaOff val="0"/>
+              </a:schemeClr>
+            </a:lnRef>
+            <a:fillRef idx="1">
+              <a:schemeClr val="accent1">
+                <a:hueOff val="0"/>
+                <a:satOff val="0"/>
+                <a:lumOff val="0"/>
+                <a:alphaOff val="0"/>
+              </a:schemeClr>
+            </a:fillRef>
+            <a:effectRef idx="0">
+              <a:schemeClr val="accent1">
+                <a:hueOff val="0"/>
+                <a:satOff val="0"/>
+                <a:lumOff val="0"/>
+                <a:alphaOff val="0"/>
+              </a:schemeClr>
+            </a:effectRef>
+            <a:fontRef idx="minor">
+              <a:schemeClr val="lt1"/>
+            </a:fontRef>
+          </p:style>
+          <p:txBody>
+            <a:bodyPr spcFirstLastPara="0" vert="horz" wrap="square" lIns="161561" tIns="161561" rIns="161561" bIns="161561" numCol="1" spcCol="1270" anchor="ctr" anchorCtr="0">
+              <a:noAutofit/>
+            </a:bodyPr>
+            <a:lstStyle/>
+            <a:p>
+              <a:pPr marL="0" lvl="0" indent="0" algn="ctr" defTabSz="1200150">
+                <a:lnSpc>
+                  <a:spcPct val="90000"/>
+                </a:lnSpc>
+                <a:spcBef>
+                  <a:spcPct val="0"/>
+                </a:spcBef>
+                <a:spcAft>
+                  <a:spcPct val="35000"/>
+                </a:spcAft>
+                <a:buNone/>
+              </a:pPr>
+              <a:endParaRPr kumimoji="1" lang="ja-JP" altLang="en-US" sz="2700" kern="1200" dirty="0"/>
+            </a:p>
+          </p:txBody>
+        </p:sp>
+        <p:sp>
+          <p:nvSpPr>
+            <p:cNvPr id="17" name="フリーフォーム: 図形 16">
+              <a:extLst>
+                <a:ext uri="{FF2B5EF4-FFF2-40B4-BE49-F238E27FC236}">
+                  <a16:creationId xmlns:a16="http://schemas.microsoft.com/office/drawing/2014/main" id="{7A54634A-4A8D-DFA1-C8DE-3A431F706FDB}"/>
+                </a:ext>
+              </a:extLst>
+            </p:cNvPr>
+            <p:cNvSpPr/>
+            <p:nvPr/>
+          </p:nvSpPr>
+          <p:spPr>
+            <a:xfrm>
+              <a:off x="7844038" y="1734359"/>
+              <a:ext cx="869064" cy="869064"/>
+            </a:xfrm>
+            <a:custGeom>
+              <a:avLst/>
+              <a:gdLst>
+                <a:gd name="connsiteX0" fmla="*/ 0 w 869064"/>
+                <a:gd name="connsiteY0" fmla="*/ 434532 h 869064"/>
+                <a:gd name="connsiteX1" fmla="*/ 434532 w 869064"/>
+                <a:gd name="connsiteY1" fmla="*/ 0 h 869064"/>
+                <a:gd name="connsiteX2" fmla="*/ 869064 w 869064"/>
+                <a:gd name="connsiteY2" fmla="*/ 434532 h 869064"/>
+                <a:gd name="connsiteX3" fmla="*/ 434532 w 869064"/>
+                <a:gd name="connsiteY3" fmla="*/ 869064 h 869064"/>
+                <a:gd name="connsiteX4" fmla="*/ 0 w 869064"/>
+                <a:gd name="connsiteY4" fmla="*/ 434532 h 869064"/>
+              </a:gdLst>
+              <a:ahLst/>
+              <a:cxnLst>
+                <a:cxn ang="0">
+                  <a:pos x="connsiteX0" y="connsiteY0"/>
+                </a:cxn>
+                <a:cxn ang="0">
+                  <a:pos x="connsiteX1" y="connsiteY1"/>
+                </a:cxn>
+                <a:cxn ang="0">
+                  <a:pos x="connsiteX2" y="connsiteY2"/>
+                </a:cxn>
+                <a:cxn ang="0">
+                  <a:pos x="connsiteX3" y="connsiteY3"/>
+                </a:cxn>
+                <a:cxn ang="0">
+                  <a:pos x="connsiteX4" y="connsiteY4"/>
+                </a:cxn>
+              </a:cxnLst>
+              <a:rect l="l" t="t" r="r" b="b"/>
+              <a:pathLst>
+                <a:path w="869064" h="869064">
+                  <a:moveTo>
+                    <a:pt x="0" y="434532"/>
+                  </a:moveTo>
+                  <a:cubicBezTo>
+                    <a:pt x="0" y="194547"/>
+                    <a:pt x="194547" y="0"/>
+                    <a:pt x="434532" y="0"/>
+                  </a:cubicBezTo>
+                  <a:cubicBezTo>
+                    <a:pt x="674517" y="0"/>
+                    <a:pt x="869064" y="194547"/>
+                    <a:pt x="869064" y="434532"/>
+                  </a:cubicBezTo>
+                  <a:cubicBezTo>
+                    <a:pt x="869064" y="674517"/>
+                    <a:pt x="674517" y="869064"/>
+                    <a:pt x="434532" y="869064"/>
+                  </a:cubicBezTo>
+                  <a:cubicBezTo>
+                    <a:pt x="194547" y="869064"/>
+                    <a:pt x="0" y="674517"/>
+                    <a:pt x="0" y="434532"/>
+                  </a:cubicBezTo>
+                  <a:close/>
+                </a:path>
+              </a:pathLst>
+            </a:custGeom>
+          </p:spPr>
+          <p:style>
+            <a:lnRef idx="2">
+              <a:schemeClr val="lt1">
+                <a:hueOff val="0"/>
+                <a:satOff val="0"/>
+                <a:lumOff val="0"/>
+                <a:alphaOff val="0"/>
+              </a:schemeClr>
+            </a:lnRef>
+            <a:fillRef idx="1">
+              <a:schemeClr val="accent1">
+                <a:hueOff val="0"/>
+                <a:satOff val="0"/>
+                <a:lumOff val="0"/>
+                <a:alphaOff val="0"/>
+              </a:schemeClr>
+            </a:fillRef>
+            <a:effectRef idx="0">
+              <a:schemeClr val="accent1">
+                <a:hueOff val="0"/>
+                <a:satOff val="0"/>
+                <a:lumOff val="0"/>
+                <a:alphaOff val="0"/>
+              </a:schemeClr>
+            </a:effectRef>
+            <a:fontRef idx="minor">
+              <a:schemeClr val="lt1"/>
+            </a:fontRef>
+          </p:style>
+          <p:txBody>
+            <a:bodyPr spcFirstLastPara="0" vert="horz" wrap="square" lIns="161561" tIns="161561" rIns="161561" bIns="161561" numCol="1" spcCol="1270" anchor="ctr" anchorCtr="0">
+              <a:noAutofit/>
+            </a:bodyPr>
+            <a:lstStyle/>
+            <a:p>
+              <a:pPr marL="0" lvl="0" indent="0" algn="ctr" defTabSz="1200150">
+                <a:lnSpc>
+                  <a:spcPct val="90000"/>
+                </a:lnSpc>
+                <a:spcBef>
+                  <a:spcPct val="0"/>
+                </a:spcBef>
+                <a:spcAft>
+                  <a:spcPct val="35000"/>
+                </a:spcAft>
+                <a:buNone/>
+              </a:pPr>
+              <a:endParaRPr kumimoji="1" lang="ja-JP" altLang="en-US" sz="2700" kern="1200"/>
+            </a:p>
+          </p:txBody>
+        </p:sp>
+        <p:sp>
+          <p:nvSpPr>
+            <p:cNvPr id="19" name="フリーフォーム: 図形 18">
+              <a:extLst>
+                <a:ext uri="{FF2B5EF4-FFF2-40B4-BE49-F238E27FC236}">
+                  <a16:creationId xmlns:a16="http://schemas.microsoft.com/office/drawing/2014/main" id="{B2E27094-D64A-FD5F-380C-2C74E1D8181E}"/>
+                </a:ext>
+              </a:extLst>
+            </p:cNvPr>
+            <p:cNvSpPr/>
+            <p:nvPr/>
+          </p:nvSpPr>
+          <p:spPr>
+            <a:xfrm>
+              <a:off x="8181683" y="2994467"/>
+              <a:ext cx="869064" cy="869064"/>
+            </a:xfrm>
+            <a:custGeom>
+              <a:avLst/>
+              <a:gdLst>
+                <a:gd name="connsiteX0" fmla="*/ 0 w 869064"/>
+                <a:gd name="connsiteY0" fmla="*/ 434532 h 869064"/>
+                <a:gd name="connsiteX1" fmla="*/ 434532 w 869064"/>
+                <a:gd name="connsiteY1" fmla="*/ 0 h 869064"/>
+                <a:gd name="connsiteX2" fmla="*/ 869064 w 869064"/>
+                <a:gd name="connsiteY2" fmla="*/ 434532 h 869064"/>
+                <a:gd name="connsiteX3" fmla="*/ 434532 w 869064"/>
+                <a:gd name="connsiteY3" fmla="*/ 869064 h 869064"/>
+                <a:gd name="connsiteX4" fmla="*/ 0 w 869064"/>
+                <a:gd name="connsiteY4" fmla="*/ 434532 h 869064"/>
+              </a:gdLst>
+              <a:ahLst/>
+              <a:cxnLst>
+                <a:cxn ang="0">
+                  <a:pos x="connsiteX0" y="connsiteY0"/>
+                </a:cxn>
+                <a:cxn ang="0">
+                  <a:pos x="connsiteX1" y="connsiteY1"/>
+                </a:cxn>
+                <a:cxn ang="0">
+                  <a:pos x="connsiteX2" y="connsiteY2"/>
+                </a:cxn>
+                <a:cxn ang="0">
+                  <a:pos x="connsiteX3" y="connsiteY3"/>
+                </a:cxn>
+                <a:cxn ang="0">
+                  <a:pos x="connsiteX4" y="connsiteY4"/>
+                </a:cxn>
+              </a:cxnLst>
+              <a:rect l="l" t="t" r="r" b="b"/>
+              <a:pathLst>
+                <a:path w="869064" h="869064">
+                  <a:moveTo>
+                    <a:pt x="0" y="434532"/>
+                  </a:moveTo>
+                  <a:cubicBezTo>
+                    <a:pt x="0" y="194547"/>
+                    <a:pt x="194547" y="0"/>
+                    <a:pt x="434532" y="0"/>
+                  </a:cubicBezTo>
+                  <a:cubicBezTo>
+                    <a:pt x="674517" y="0"/>
+                    <a:pt x="869064" y="194547"/>
+                    <a:pt x="869064" y="434532"/>
+                  </a:cubicBezTo>
+                  <a:cubicBezTo>
+                    <a:pt x="869064" y="674517"/>
+                    <a:pt x="674517" y="869064"/>
+                    <a:pt x="434532" y="869064"/>
+                  </a:cubicBezTo>
+                  <a:cubicBezTo>
+                    <a:pt x="194547" y="869064"/>
+                    <a:pt x="0" y="674517"/>
+                    <a:pt x="0" y="434532"/>
+                  </a:cubicBezTo>
+                  <a:close/>
+                </a:path>
+              </a:pathLst>
+            </a:custGeom>
+          </p:spPr>
+          <p:style>
+            <a:lnRef idx="2">
+              <a:schemeClr val="lt1">
+                <a:hueOff val="0"/>
+                <a:satOff val="0"/>
+                <a:lumOff val="0"/>
+                <a:alphaOff val="0"/>
+              </a:schemeClr>
+            </a:lnRef>
+            <a:fillRef idx="1">
+              <a:schemeClr val="accent1">
+                <a:hueOff val="0"/>
+                <a:satOff val="0"/>
+                <a:lumOff val="0"/>
+                <a:alphaOff val="0"/>
+              </a:schemeClr>
+            </a:fillRef>
+            <a:effectRef idx="0">
+              <a:schemeClr val="accent1">
+                <a:hueOff val="0"/>
+                <a:satOff val="0"/>
+                <a:lumOff val="0"/>
+                <a:alphaOff val="0"/>
+              </a:schemeClr>
+            </a:effectRef>
+            <a:fontRef idx="minor">
+              <a:schemeClr val="lt1"/>
+            </a:fontRef>
+          </p:style>
+          <p:txBody>
+            <a:bodyPr spcFirstLastPara="0" vert="horz" wrap="square" lIns="161561" tIns="161561" rIns="161561" bIns="161561" numCol="1" spcCol="1270" anchor="ctr" anchorCtr="0">
+              <a:noAutofit/>
+            </a:bodyPr>
+            <a:lstStyle/>
+            <a:p>
+              <a:pPr marL="0" lvl="0" indent="0" algn="ctr" defTabSz="1200150">
+                <a:lnSpc>
+                  <a:spcPct val="90000"/>
+                </a:lnSpc>
+                <a:spcBef>
+                  <a:spcPct val="0"/>
+                </a:spcBef>
+                <a:spcAft>
+                  <a:spcPct val="35000"/>
+                </a:spcAft>
+                <a:buNone/>
+              </a:pPr>
+              <a:endParaRPr kumimoji="1" lang="ja-JP" altLang="en-US" sz="2700" kern="1200"/>
+            </a:p>
+          </p:txBody>
+        </p:sp>
+        <p:sp>
+          <p:nvSpPr>
+            <p:cNvPr id="21" name="フリーフォーム: 図形 20">
+              <a:extLst>
+                <a:ext uri="{FF2B5EF4-FFF2-40B4-BE49-F238E27FC236}">
+                  <a16:creationId xmlns:a16="http://schemas.microsoft.com/office/drawing/2014/main" id="{39B75EE7-C873-965D-C357-EE87E05D3610}"/>
+                </a:ext>
+              </a:extLst>
+            </p:cNvPr>
+            <p:cNvSpPr/>
+            <p:nvPr/>
+          </p:nvSpPr>
+          <p:spPr>
+            <a:xfrm>
+              <a:off x="7844038" y="4254575"/>
+              <a:ext cx="869064" cy="869064"/>
+            </a:xfrm>
+            <a:custGeom>
+              <a:avLst/>
+              <a:gdLst>
+                <a:gd name="connsiteX0" fmla="*/ 0 w 869064"/>
+                <a:gd name="connsiteY0" fmla="*/ 434532 h 869064"/>
+                <a:gd name="connsiteX1" fmla="*/ 434532 w 869064"/>
+                <a:gd name="connsiteY1" fmla="*/ 0 h 869064"/>
+                <a:gd name="connsiteX2" fmla="*/ 869064 w 869064"/>
+                <a:gd name="connsiteY2" fmla="*/ 434532 h 869064"/>
+                <a:gd name="connsiteX3" fmla="*/ 434532 w 869064"/>
+                <a:gd name="connsiteY3" fmla="*/ 869064 h 869064"/>
+                <a:gd name="connsiteX4" fmla="*/ 0 w 869064"/>
+                <a:gd name="connsiteY4" fmla="*/ 434532 h 869064"/>
+              </a:gdLst>
+              <a:ahLst/>
+              <a:cxnLst>
+                <a:cxn ang="0">
+                  <a:pos x="connsiteX0" y="connsiteY0"/>
+                </a:cxn>
+                <a:cxn ang="0">
+                  <a:pos x="connsiteX1" y="connsiteY1"/>
+                </a:cxn>
+                <a:cxn ang="0">
+                  <a:pos x="connsiteX2" y="connsiteY2"/>
+                </a:cxn>
+                <a:cxn ang="0">
+                  <a:pos x="connsiteX3" y="connsiteY3"/>
+                </a:cxn>
+                <a:cxn ang="0">
+                  <a:pos x="connsiteX4" y="connsiteY4"/>
+                </a:cxn>
+              </a:cxnLst>
+              <a:rect l="l" t="t" r="r" b="b"/>
+              <a:pathLst>
+                <a:path w="869064" h="869064">
+                  <a:moveTo>
+                    <a:pt x="0" y="434532"/>
+                  </a:moveTo>
+                  <a:cubicBezTo>
+                    <a:pt x="0" y="194547"/>
+                    <a:pt x="194547" y="0"/>
+                    <a:pt x="434532" y="0"/>
+                  </a:cubicBezTo>
+                  <a:cubicBezTo>
+                    <a:pt x="674517" y="0"/>
+                    <a:pt x="869064" y="194547"/>
+                    <a:pt x="869064" y="434532"/>
+                  </a:cubicBezTo>
+                  <a:cubicBezTo>
+                    <a:pt x="869064" y="674517"/>
+                    <a:pt x="674517" y="869064"/>
+                    <a:pt x="434532" y="869064"/>
+                  </a:cubicBezTo>
+                  <a:cubicBezTo>
+                    <a:pt x="194547" y="869064"/>
+                    <a:pt x="0" y="674517"/>
+                    <a:pt x="0" y="434532"/>
+                  </a:cubicBezTo>
+                  <a:close/>
+                </a:path>
+              </a:pathLst>
+            </a:custGeom>
+          </p:spPr>
+          <p:style>
+            <a:lnRef idx="2">
+              <a:schemeClr val="lt1">
+                <a:hueOff val="0"/>
+                <a:satOff val="0"/>
+                <a:lumOff val="0"/>
+                <a:alphaOff val="0"/>
+              </a:schemeClr>
+            </a:lnRef>
+            <a:fillRef idx="1">
+              <a:schemeClr val="accent1">
+                <a:hueOff val="0"/>
+                <a:satOff val="0"/>
+                <a:lumOff val="0"/>
+                <a:alphaOff val="0"/>
+              </a:schemeClr>
+            </a:fillRef>
+            <a:effectRef idx="0">
+              <a:schemeClr val="accent1">
+                <a:hueOff val="0"/>
+                <a:satOff val="0"/>
+                <a:lumOff val="0"/>
+                <a:alphaOff val="0"/>
+              </a:schemeClr>
+            </a:effectRef>
+            <a:fontRef idx="minor">
+              <a:schemeClr val="lt1"/>
+            </a:fontRef>
+          </p:style>
+          <p:txBody>
+            <a:bodyPr spcFirstLastPara="0" vert="horz" wrap="square" lIns="161561" tIns="161561" rIns="161561" bIns="161561" numCol="1" spcCol="1270" anchor="ctr" anchorCtr="0">
+              <a:noAutofit/>
+            </a:bodyPr>
+            <a:lstStyle/>
+            <a:p>
+              <a:pPr marL="0" lvl="0" indent="0" algn="ctr" defTabSz="1200150">
+                <a:lnSpc>
+                  <a:spcPct val="90000"/>
+                </a:lnSpc>
+                <a:spcBef>
+                  <a:spcPct val="0"/>
+                </a:spcBef>
+                <a:spcAft>
+                  <a:spcPct val="35000"/>
+                </a:spcAft>
+                <a:buNone/>
+              </a:pPr>
+              <a:endParaRPr kumimoji="1" lang="ja-JP" altLang="en-US" sz="2700" kern="1200"/>
+            </a:p>
+          </p:txBody>
+        </p:sp>
+        <p:sp>
+          <p:nvSpPr>
+            <p:cNvPr id="23" name="フリーフォーム: 図形 22">
+              <a:extLst>
+                <a:ext uri="{FF2B5EF4-FFF2-40B4-BE49-F238E27FC236}">
+                  <a16:creationId xmlns:a16="http://schemas.microsoft.com/office/drawing/2014/main" id="{B1D27883-6613-5D3F-528E-C05A77C29AD8}"/>
+                </a:ext>
+              </a:extLst>
+            </p:cNvPr>
+            <p:cNvSpPr/>
+            <p:nvPr/>
+          </p:nvSpPr>
+          <p:spPr>
+            <a:xfrm>
+              <a:off x="6921575" y="5177039"/>
+              <a:ext cx="869064" cy="869064"/>
+            </a:xfrm>
+            <a:custGeom>
+              <a:avLst/>
+              <a:gdLst>
+                <a:gd name="connsiteX0" fmla="*/ 0 w 869064"/>
+                <a:gd name="connsiteY0" fmla="*/ 434532 h 869064"/>
+                <a:gd name="connsiteX1" fmla="*/ 434532 w 869064"/>
+                <a:gd name="connsiteY1" fmla="*/ 0 h 869064"/>
+                <a:gd name="connsiteX2" fmla="*/ 869064 w 869064"/>
+                <a:gd name="connsiteY2" fmla="*/ 434532 h 869064"/>
+                <a:gd name="connsiteX3" fmla="*/ 434532 w 869064"/>
+                <a:gd name="connsiteY3" fmla="*/ 869064 h 869064"/>
+                <a:gd name="connsiteX4" fmla="*/ 0 w 869064"/>
+                <a:gd name="connsiteY4" fmla="*/ 434532 h 869064"/>
+              </a:gdLst>
+              <a:ahLst/>
+              <a:cxnLst>
+                <a:cxn ang="0">
+                  <a:pos x="connsiteX0" y="connsiteY0"/>
+                </a:cxn>
+                <a:cxn ang="0">
+                  <a:pos x="connsiteX1" y="connsiteY1"/>
+                </a:cxn>
+                <a:cxn ang="0">
+                  <a:pos x="connsiteX2" y="connsiteY2"/>
+                </a:cxn>
+                <a:cxn ang="0">
+                  <a:pos x="connsiteX3" y="connsiteY3"/>
+                </a:cxn>
+                <a:cxn ang="0">
+                  <a:pos x="connsiteX4" y="connsiteY4"/>
+                </a:cxn>
+              </a:cxnLst>
+              <a:rect l="l" t="t" r="r" b="b"/>
+              <a:pathLst>
+                <a:path w="869064" h="869064">
+                  <a:moveTo>
+                    <a:pt x="0" y="434532"/>
+                  </a:moveTo>
+                  <a:cubicBezTo>
+                    <a:pt x="0" y="194547"/>
+                    <a:pt x="194547" y="0"/>
+                    <a:pt x="434532" y="0"/>
+                  </a:cubicBezTo>
+                  <a:cubicBezTo>
+                    <a:pt x="674517" y="0"/>
+                    <a:pt x="869064" y="194547"/>
+                    <a:pt x="869064" y="434532"/>
+                  </a:cubicBezTo>
+                  <a:cubicBezTo>
+                    <a:pt x="869064" y="674517"/>
+                    <a:pt x="674517" y="869064"/>
+                    <a:pt x="434532" y="869064"/>
+                  </a:cubicBezTo>
+                  <a:cubicBezTo>
+                    <a:pt x="194547" y="869064"/>
+                    <a:pt x="0" y="674517"/>
+                    <a:pt x="0" y="434532"/>
+                  </a:cubicBezTo>
+                  <a:close/>
+                </a:path>
+              </a:pathLst>
+            </a:custGeom>
+          </p:spPr>
+          <p:style>
+            <a:lnRef idx="2">
+              <a:schemeClr val="lt1">
+                <a:hueOff val="0"/>
+                <a:satOff val="0"/>
+                <a:lumOff val="0"/>
+                <a:alphaOff val="0"/>
+              </a:schemeClr>
+            </a:lnRef>
+            <a:fillRef idx="1">
+              <a:schemeClr val="accent1">
+                <a:hueOff val="0"/>
+                <a:satOff val="0"/>
+                <a:lumOff val="0"/>
+                <a:alphaOff val="0"/>
+              </a:schemeClr>
+            </a:fillRef>
+            <a:effectRef idx="0">
+              <a:schemeClr val="accent1">
+                <a:hueOff val="0"/>
+                <a:satOff val="0"/>
+                <a:lumOff val="0"/>
+                <a:alphaOff val="0"/>
+              </a:schemeClr>
+            </a:effectRef>
+            <a:fontRef idx="minor">
+              <a:schemeClr val="lt1"/>
+            </a:fontRef>
+          </p:style>
+          <p:txBody>
+            <a:bodyPr spcFirstLastPara="0" vert="horz" wrap="square" lIns="161561" tIns="161561" rIns="161561" bIns="161561" numCol="1" spcCol="1270" anchor="ctr" anchorCtr="0">
+              <a:noAutofit/>
+            </a:bodyPr>
+            <a:lstStyle/>
+            <a:p>
+              <a:pPr marL="0" lvl="0" indent="0" algn="ctr" defTabSz="1200150">
+                <a:lnSpc>
+                  <a:spcPct val="90000"/>
+                </a:lnSpc>
+                <a:spcBef>
+                  <a:spcPct val="0"/>
+                </a:spcBef>
+                <a:spcAft>
+                  <a:spcPct val="35000"/>
+                </a:spcAft>
+                <a:buNone/>
+              </a:pPr>
+              <a:endParaRPr kumimoji="1" lang="ja-JP" altLang="en-US" sz="2700" kern="1200"/>
+            </a:p>
+          </p:txBody>
+        </p:sp>
+        <p:sp>
+          <p:nvSpPr>
+            <p:cNvPr id="25" name="フリーフォーム: 図形 24">
+              <a:extLst>
+                <a:ext uri="{FF2B5EF4-FFF2-40B4-BE49-F238E27FC236}">
+                  <a16:creationId xmlns:a16="http://schemas.microsoft.com/office/drawing/2014/main" id="{1A517D74-421E-86CB-8572-399D39F076D5}"/>
+                </a:ext>
+              </a:extLst>
+            </p:cNvPr>
+            <p:cNvSpPr/>
+            <p:nvPr/>
+          </p:nvSpPr>
+          <p:spPr>
+            <a:xfrm>
+              <a:off x="5661467" y="5514683"/>
+              <a:ext cx="869064" cy="869064"/>
+            </a:xfrm>
+            <a:custGeom>
+              <a:avLst/>
+              <a:gdLst>
+                <a:gd name="connsiteX0" fmla="*/ 0 w 869064"/>
+                <a:gd name="connsiteY0" fmla="*/ 434532 h 869064"/>
+                <a:gd name="connsiteX1" fmla="*/ 434532 w 869064"/>
+                <a:gd name="connsiteY1" fmla="*/ 0 h 869064"/>
+                <a:gd name="connsiteX2" fmla="*/ 869064 w 869064"/>
+                <a:gd name="connsiteY2" fmla="*/ 434532 h 869064"/>
+                <a:gd name="connsiteX3" fmla="*/ 434532 w 869064"/>
+                <a:gd name="connsiteY3" fmla="*/ 869064 h 869064"/>
+                <a:gd name="connsiteX4" fmla="*/ 0 w 869064"/>
+                <a:gd name="connsiteY4" fmla="*/ 434532 h 869064"/>
+              </a:gdLst>
+              <a:ahLst/>
+              <a:cxnLst>
+                <a:cxn ang="0">
+                  <a:pos x="connsiteX0" y="connsiteY0"/>
+                </a:cxn>
+                <a:cxn ang="0">
+                  <a:pos x="connsiteX1" y="connsiteY1"/>
+                </a:cxn>
+                <a:cxn ang="0">
+                  <a:pos x="connsiteX2" y="connsiteY2"/>
+                </a:cxn>
+                <a:cxn ang="0">
+                  <a:pos x="connsiteX3" y="connsiteY3"/>
+                </a:cxn>
+                <a:cxn ang="0">
+                  <a:pos x="connsiteX4" y="connsiteY4"/>
+                </a:cxn>
+              </a:cxnLst>
+              <a:rect l="l" t="t" r="r" b="b"/>
+              <a:pathLst>
+                <a:path w="869064" h="869064">
+                  <a:moveTo>
+                    <a:pt x="0" y="434532"/>
+                  </a:moveTo>
+                  <a:cubicBezTo>
+                    <a:pt x="0" y="194547"/>
+                    <a:pt x="194547" y="0"/>
+                    <a:pt x="434532" y="0"/>
+                  </a:cubicBezTo>
+                  <a:cubicBezTo>
+                    <a:pt x="674517" y="0"/>
+                    <a:pt x="869064" y="194547"/>
+                    <a:pt x="869064" y="434532"/>
+                  </a:cubicBezTo>
+                  <a:cubicBezTo>
+                    <a:pt x="869064" y="674517"/>
+                    <a:pt x="674517" y="869064"/>
+                    <a:pt x="434532" y="869064"/>
+                  </a:cubicBezTo>
+                  <a:cubicBezTo>
+                    <a:pt x="194547" y="869064"/>
+                    <a:pt x="0" y="674517"/>
+                    <a:pt x="0" y="434532"/>
+                  </a:cubicBezTo>
+                  <a:close/>
+                </a:path>
+              </a:pathLst>
+            </a:custGeom>
+          </p:spPr>
+          <p:style>
+            <a:lnRef idx="2">
+              <a:schemeClr val="lt1">
+                <a:hueOff val="0"/>
+                <a:satOff val="0"/>
+                <a:lumOff val="0"/>
+                <a:alphaOff val="0"/>
+              </a:schemeClr>
+            </a:lnRef>
+            <a:fillRef idx="1">
+              <a:schemeClr val="accent1">
+                <a:hueOff val="0"/>
+                <a:satOff val="0"/>
+                <a:lumOff val="0"/>
+                <a:alphaOff val="0"/>
+              </a:schemeClr>
+            </a:fillRef>
+            <a:effectRef idx="0">
+              <a:schemeClr val="accent1">
+                <a:hueOff val="0"/>
+                <a:satOff val="0"/>
+                <a:lumOff val="0"/>
+                <a:alphaOff val="0"/>
+              </a:schemeClr>
+            </a:effectRef>
+            <a:fontRef idx="minor">
+              <a:schemeClr val="lt1"/>
+            </a:fontRef>
+          </p:style>
+          <p:txBody>
+            <a:bodyPr spcFirstLastPara="0" vert="horz" wrap="square" lIns="161561" tIns="161561" rIns="161561" bIns="161561" numCol="1" spcCol="1270" anchor="ctr" anchorCtr="0">
+              <a:noAutofit/>
+            </a:bodyPr>
+            <a:lstStyle/>
+            <a:p>
+              <a:pPr marL="0" lvl="0" indent="0" algn="ctr" defTabSz="1200150">
+                <a:lnSpc>
+                  <a:spcPct val="90000"/>
+                </a:lnSpc>
+                <a:spcBef>
+                  <a:spcPct val="0"/>
+                </a:spcBef>
+                <a:spcAft>
+                  <a:spcPct val="35000"/>
+                </a:spcAft>
+                <a:buNone/>
+              </a:pPr>
+              <a:endParaRPr kumimoji="1" lang="ja-JP" altLang="en-US" sz="2700" kern="1200"/>
+            </a:p>
+          </p:txBody>
+        </p:sp>
+        <p:sp>
+          <p:nvSpPr>
+            <p:cNvPr id="27" name="フリーフォーム: 図形 26">
+              <a:extLst>
+                <a:ext uri="{FF2B5EF4-FFF2-40B4-BE49-F238E27FC236}">
+                  <a16:creationId xmlns:a16="http://schemas.microsoft.com/office/drawing/2014/main" id="{27238241-9C1C-3D28-50A9-3B1E776A332D}"/>
+                </a:ext>
+              </a:extLst>
+            </p:cNvPr>
+            <p:cNvSpPr/>
+            <p:nvPr/>
+          </p:nvSpPr>
+          <p:spPr>
+            <a:xfrm>
+              <a:off x="4401359" y="5177039"/>
+              <a:ext cx="869064" cy="869064"/>
+            </a:xfrm>
+            <a:custGeom>
+              <a:avLst/>
+              <a:gdLst>
+                <a:gd name="connsiteX0" fmla="*/ 0 w 869064"/>
+                <a:gd name="connsiteY0" fmla="*/ 434532 h 869064"/>
+                <a:gd name="connsiteX1" fmla="*/ 434532 w 869064"/>
+                <a:gd name="connsiteY1" fmla="*/ 0 h 869064"/>
+                <a:gd name="connsiteX2" fmla="*/ 869064 w 869064"/>
+                <a:gd name="connsiteY2" fmla="*/ 434532 h 869064"/>
+                <a:gd name="connsiteX3" fmla="*/ 434532 w 869064"/>
+                <a:gd name="connsiteY3" fmla="*/ 869064 h 869064"/>
+                <a:gd name="connsiteX4" fmla="*/ 0 w 869064"/>
+                <a:gd name="connsiteY4" fmla="*/ 434532 h 869064"/>
+              </a:gdLst>
+              <a:ahLst/>
+              <a:cxnLst>
+                <a:cxn ang="0">
+                  <a:pos x="connsiteX0" y="connsiteY0"/>
+                </a:cxn>
+                <a:cxn ang="0">
+                  <a:pos x="connsiteX1" y="connsiteY1"/>
+                </a:cxn>
+                <a:cxn ang="0">
+                  <a:pos x="connsiteX2" y="connsiteY2"/>
+                </a:cxn>
+                <a:cxn ang="0">
+                  <a:pos x="connsiteX3" y="connsiteY3"/>
+                </a:cxn>
+                <a:cxn ang="0">
+                  <a:pos x="connsiteX4" y="connsiteY4"/>
+                </a:cxn>
+              </a:cxnLst>
+              <a:rect l="l" t="t" r="r" b="b"/>
+              <a:pathLst>
+                <a:path w="869064" h="869064">
+                  <a:moveTo>
+                    <a:pt x="0" y="434532"/>
+                  </a:moveTo>
+                  <a:cubicBezTo>
+                    <a:pt x="0" y="194547"/>
+                    <a:pt x="194547" y="0"/>
+                    <a:pt x="434532" y="0"/>
+                  </a:cubicBezTo>
+                  <a:cubicBezTo>
+                    <a:pt x="674517" y="0"/>
+                    <a:pt x="869064" y="194547"/>
+                    <a:pt x="869064" y="434532"/>
+                  </a:cubicBezTo>
+                  <a:cubicBezTo>
+                    <a:pt x="869064" y="674517"/>
+                    <a:pt x="674517" y="869064"/>
+                    <a:pt x="434532" y="869064"/>
+                  </a:cubicBezTo>
+                  <a:cubicBezTo>
+                    <a:pt x="194547" y="869064"/>
+                    <a:pt x="0" y="674517"/>
+                    <a:pt x="0" y="434532"/>
+                  </a:cubicBezTo>
+                  <a:close/>
+                </a:path>
+              </a:pathLst>
+            </a:custGeom>
+          </p:spPr>
+          <p:style>
+            <a:lnRef idx="2">
+              <a:schemeClr val="lt1">
+                <a:hueOff val="0"/>
+                <a:satOff val="0"/>
+                <a:lumOff val="0"/>
+                <a:alphaOff val="0"/>
+              </a:schemeClr>
+            </a:lnRef>
+            <a:fillRef idx="1">
+              <a:schemeClr val="accent1">
+                <a:hueOff val="0"/>
+                <a:satOff val="0"/>
+                <a:lumOff val="0"/>
+                <a:alphaOff val="0"/>
+              </a:schemeClr>
+            </a:fillRef>
+            <a:effectRef idx="0">
+              <a:schemeClr val="accent1">
+                <a:hueOff val="0"/>
+                <a:satOff val="0"/>
+                <a:lumOff val="0"/>
+                <a:alphaOff val="0"/>
+              </a:schemeClr>
+            </a:effectRef>
+            <a:fontRef idx="minor">
+              <a:schemeClr val="lt1"/>
+            </a:fontRef>
+          </p:style>
+          <p:txBody>
+            <a:bodyPr spcFirstLastPara="0" vert="horz" wrap="square" lIns="161561" tIns="161561" rIns="161561" bIns="161561" numCol="1" spcCol="1270" anchor="ctr" anchorCtr="0">
+              <a:noAutofit/>
+            </a:bodyPr>
+            <a:lstStyle/>
+            <a:p>
+              <a:pPr marL="0" lvl="0" indent="0" algn="ctr" defTabSz="1200150">
+                <a:lnSpc>
+                  <a:spcPct val="90000"/>
+                </a:lnSpc>
+                <a:spcBef>
+                  <a:spcPct val="0"/>
+                </a:spcBef>
+                <a:spcAft>
+                  <a:spcPct val="35000"/>
+                </a:spcAft>
+                <a:buNone/>
+              </a:pPr>
+              <a:endParaRPr kumimoji="1" lang="ja-JP" altLang="en-US" sz="2700" kern="1200"/>
+            </a:p>
+          </p:txBody>
+        </p:sp>
+        <p:sp>
+          <p:nvSpPr>
+            <p:cNvPr id="31" name="フリーフォーム: 図形 30">
+              <a:extLst>
+                <a:ext uri="{FF2B5EF4-FFF2-40B4-BE49-F238E27FC236}">
+                  <a16:creationId xmlns:a16="http://schemas.microsoft.com/office/drawing/2014/main" id="{20BFEFFB-80B3-E298-24A0-B4BAF0542AD9}"/>
+                </a:ext>
+              </a:extLst>
+            </p:cNvPr>
+            <p:cNvSpPr/>
+            <p:nvPr/>
+          </p:nvSpPr>
+          <p:spPr>
+            <a:xfrm>
+              <a:off x="3141251" y="2994467"/>
+              <a:ext cx="869064" cy="869064"/>
+            </a:xfrm>
+            <a:custGeom>
+              <a:avLst/>
+              <a:gdLst>
+                <a:gd name="connsiteX0" fmla="*/ 0 w 869064"/>
+                <a:gd name="connsiteY0" fmla="*/ 434532 h 869064"/>
+                <a:gd name="connsiteX1" fmla="*/ 434532 w 869064"/>
+                <a:gd name="connsiteY1" fmla="*/ 0 h 869064"/>
+                <a:gd name="connsiteX2" fmla="*/ 869064 w 869064"/>
+                <a:gd name="connsiteY2" fmla="*/ 434532 h 869064"/>
+                <a:gd name="connsiteX3" fmla="*/ 434532 w 869064"/>
+                <a:gd name="connsiteY3" fmla="*/ 869064 h 869064"/>
+                <a:gd name="connsiteX4" fmla="*/ 0 w 869064"/>
+                <a:gd name="connsiteY4" fmla="*/ 434532 h 869064"/>
+              </a:gdLst>
+              <a:ahLst/>
+              <a:cxnLst>
+                <a:cxn ang="0">
+                  <a:pos x="connsiteX0" y="connsiteY0"/>
+                </a:cxn>
+                <a:cxn ang="0">
+                  <a:pos x="connsiteX1" y="connsiteY1"/>
+                </a:cxn>
+                <a:cxn ang="0">
+                  <a:pos x="connsiteX2" y="connsiteY2"/>
+                </a:cxn>
+                <a:cxn ang="0">
+                  <a:pos x="connsiteX3" y="connsiteY3"/>
+                </a:cxn>
+                <a:cxn ang="0">
+                  <a:pos x="connsiteX4" y="connsiteY4"/>
+                </a:cxn>
+              </a:cxnLst>
+              <a:rect l="l" t="t" r="r" b="b"/>
+              <a:pathLst>
+                <a:path w="869064" h="869064">
+                  <a:moveTo>
+                    <a:pt x="0" y="434532"/>
+                  </a:moveTo>
+                  <a:cubicBezTo>
+                    <a:pt x="0" y="194547"/>
+                    <a:pt x="194547" y="0"/>
+                    <a:pt x="434532" y="0"/>
+                  </a:cubicBezTo>
+                  <a:cubicBezTo>
+                    <a:pt x="674517" y="0"/>
+                    <a:pt x="869064" y="194547"/>
+                    <a:pt x="869064" y="434532"/>
+                  </a:cubicBezTo>
+                  <a:cubicBezTo>
+                    <a:pt x="869064" y="674517"/>
+                    <a:pt x="674517" y="869064"/>
+                    <a:pt x="434532" y="869064"/>
+                  </a:cubicBezTo>
+                  <a:cubicBezTo>
+                    <a:pt x="194547" y="869064"/>
+                    <a:pt x="0" y="674517"/>
+                    <a:pt x="0" y="434532"/>
+                  </a:cubicBezTo>
+                  <a:close/>
+                </a:path>
+              </a:pathLst>
+            </a:custGeom>
+          </p:spPr>
+          <p:style>
+            <a:lnRef idx="2">
+              <a:schemeClr val="lt1">
+                <a:hueOff val="0"/>
+                <a:satOff val="0"/>
+                <a:lumOff val="0"/>
+                <a:alphaOff val="0"/>
+              </a:schemeClr>
+            </a:lnRef>
+            <a:fillRef idx="1">
+              <a:schemeClr val="accent1">
+                <a:hueOff val="0"/>
+                <a:satOff val="0"/>
+                <a:lumOff val="0"/>
+                <a:alphaOff val="0"/>
+              </a:schemeClr>
+            </a:fillRef>
+            <a:effectRef idx="0">
+              <a:schemeClr val="accent1">
+                <a:hueOff val="0"/>
+                <a:satOff val="0"/>
+                <a:lumOff val="0"/>
+                <a:alphaOff val="0"/>
+              </a:schemeClr>
+            </a:effectRef>
+            <a:fontRef idx="minor">
+              <a:schemeClr val="lt1"/>
+            </a:fontRef>
+          </p:style>
+          <p:txBody>
+            <a:bodyPr spcFirstLastPara="0" vert="horz" wrap="square" lIns="161561" tIns="161561" rIns="161561" bIns="161561" numCol="1" spcCol="1270" anchor="ctr" anchorCtr="0">
+              <a:noAutofit/>
+            </a:bodyPr>
+            <a:lstStyle/>
+            <a:p>
+              <a:pPr marL="0" lvl="0" indent="0" algn="ctr" defTabSz="1200150">
+                <a:lnSpc>
+                  <a:spcPct val="90000"/>
+                </a:lnSpc>
+                <a:spcBef>
+                  <a:spcPct val="0"/>
+                </a:spcBef>
+                <a:spcAft>
+                  <a:spcPct val="35000"/>
+                </a:spcAft>
+                <a:buNone/>
+              </a:pPr>
+              <a:endParaRPr kumimoji="1" lang="ja-JP" altLang="en-US" sz="2700" kern="1200" dirty="0"/>
+            </a:p>
+          </p:txBody>
+        </p:sp>
+        <p:sp>
+          <p:nvSpPr>
+            <p:cNvPr id="33" name="フリーフォーム: 図形 32">
+              <a:extLst>
+                <a:ext uri="{FF2B5EF4-FFF2-40B4-BE49-F238E27FC236}">
+                  <a16:creationId xmlns:a16="http://schemas.microsoft.com/office/drawing/2014/main" id="{64ABCFAA-FEF2-E5E9-FAF4-12D1F4B834A2}"/>
+                </a:ext>
+              </a:extLst>
+            </p:cNvPr>
+            <p:cNvSpPr/>
+            <p:nvPr/>
+          </p:nvSpPr>
+          <p:spPr>
+            <a:xfrm>
+              <a:off x="3478896" y="1734359"/>
+              <a:ext cx="869064" cy="869064"/>
+            </a:xfrm>
+            <a:custGeom>
+              <a:avLst/>
+              <a:gdLst>
+                <a:gd name="connsiteX0" fmla="*/ 0 w 869064"/>
+                <a:gd name="connsiteY0" fmla="*/ 434532 h 869064"/>
+                <a:gd name="connsiteX1" fmla="*/ 434532 w 869064"/>
+                <a:gd name="connsiteY1" fmla="*/ 0 h 869064"/>
+                <a:gd name="connsiteX2" fmla="*/ 869064 w 869064"/>
+                <a:gd name="connsiteY2" fmla="*/ 434532 h 869064"/>
+                <a:gd name="connsiteX3" fmla="*/ 434532 w 869064"/>
+                <a:gd name="connsiteY3" fmla="*/ 869064 h 869064"/>
+                <a:gd name="connsiteX4" fmla="*/ 0 w 869064"/>
+                <a:gd name="connsiteY4" fmla="*/ 434532 h 869064"/>
+              </a:gdLst>
+              <a:ahLst/>
+              <a:cxnLst>
+                <a:cxn ang="0">
+                  <a:pos x="connsiteX0" y="connsiteY0"/>
+                </a:cxn>
+                <a:cxn ang="0">
+                  <a:pos x="connsiteX1" y="connsiteY1"/>
+                </a:cxn>
+                <a:cxn ang="0">
+                  <a:pos x="connsiteX2" y="connsiteY2"/>
+                </a:cxn>
+                <a:cxn ang="0">
+                  <a:pos x="connsiteX3" y="connsiteY3"/>
+                </a:cxn>
+                <a:cxn ang="0">
+                  <a:pos x="connsiteX4" y="connsiteY4"/>
+                </a:cxn>
+              </a:cxnLst>
+              <a:rect l="l" t="t" r="r" b="b"/>
+              <a:pathLst>
+                <a:path w="869064" h="869064">
+                  <a:moveTo>
+                    <a:pt x="0" y="434532"/>
+                  </a:moveTo>
+                  <a:cubicBezTo>
+                    <a:pt x="0" y="194547"/>
+                    <a:pt x="194547" y="0"/>
+                    <a:pt x="434532" y="0"/>
+                  </a:cubicBezTo>
+                  <a:cubicBezTo>
+                    <a:pt x="674517" y="0"/>
+                    <a:pt x="869064" y="194547"/>
+                    <a:pt x="869064" y="434532"/>
+                  </a:cubicBezTo>
+                  <a:cubicBezTo>
+                    <a:pt x="869064" y="674517"/>
+                    <a:pt x="674517" y="869064"/>
+                    <a:pt x="434532" y="869064"/>
+                  </a:cubicBezTo>
+                  <a:cubicBezTo>
+                    <a:pt x="194547" y="869064"/>
+                    <a:pt x="0" y="674517"/>
+                    <a:pt x="0" y="434532"/>
+                  </a:cubicBezTo>
+                  <a:close/>
+                </a:path>
+              </a:pathLst>
+            </a:custGeom>
+          </p:spPr>
+          <p:style>
+            <a:lnRef idx="2">
+              <a:schemeClr val="lt1">
+                <a:hueOff val="0"/>
+                <a:satOff val="0"/>
+                <a:lumOff val="0"/>
+                <a:alphaOff val="0"/>
+              </a:schemeClr>
+            </a:lnRef>
+            <a:fillRef idx="1">
+              <a:schemeClr val="accent1">
+                <a:hueOff val="0"/>
+                <a:satOff val="0"/>
+                <a:lumOff val="0"/>
+                <a:alphaOff val="0"/>
+              </a:schemeClr>
+            </a:fillRef>
+            <a:effectRef idx="0">
+              <a:schemeClr val="accent1">
+                <a:hueOff val="0"/>
+                <a:satOff val="0"/>
+                <a:lumOff val="0"/>
+                <a:alphaOff val="0"/>
+              </a:schemeClr>
+            </a:effectRef>
+            <a:fontRef idx="minor">
+              <a:schemeClr val="lt1"/>
+            </a:fontRef>
+          </p:style>
+          <p:txBody>
+            <a:bodyPr spcFirstLastPara="0" vert="horz" wrap="square" lIns="161561" tIns="161561" rIns="161561" bIns="161561" numCol="1" spcCol="1270" anchor="ctr" anchorCtr="0">
+              <a:noAutofit/>
+            </a:bodyPr>
+            <a:lstStyle/>
+            <a:p>
+              <a:pPr marL="0" lvl="0" indent="0" algn="ctr" defTabSz="1200150">
+                <a:lnSpc>
+                  <a:spcPct val="90000"/>
+                </a:lnSpc>
+                <a:spcBef>
+                  <a:spcPct val="0"/>
+                </a:spcBef>
+                <a:spcAft>
+                  <a:spcPct val="35000"/>
+                </a:spcAft>
+                <a:buNone/>
+              </a:pPr>
+              <a:endParaRPr kumimoji="1" lang="ja-JP" altLang="en-US" sz="2700" kern="1200" dirty="0"/>
+            </a:p>
+          </p:txBody>
+        </p:sp>
+        <p:sp>
+          <p:nvSpPr>
+            <p:cNvPr id="35" name="フリーフォーム: 図形 34">
+              <a:extLst>
+                <a:ext uri="{FF2B5EF4-FFF2-40B4-BE49-F238E27FC236}">
+                  <a16:creationId xmlns:a16="http://schemas.microsoft.com/office/drawing/2014/main" id="{9F701888-6B47-D212-A06D-6CD955C7108D}"/>
+                </a:ext>
+              </a:extLst>
+            </p:cNvPr>
+            <p:cNvSpPr/>
+            <p:nvPr/>
+          </p:nvSpPr>
+          <p:spPr>
+            <a:xfrm>
+              <a:off x="4401359" y="811896"/>
+              <a:ext cx="869064" cy="869064"/>
+            </a:xfrm>
+            <a:custGeom>
+              <a:avLst/>
+              <a:gdLst>
+                <a:gd name="connsiteX0" fmla="*/ 0 w 869064"/>
+                <a:gd name="connsiteY0" fmla="*/ 434532 h 869064"/>
+                <a:gd name="connsiteX1" fmla="*/ 434532 w 869064"/>
+                <a:gd name="connsiteY1" fmla="*/ 0 h 869064"/>
+                <a:gd name="connsiteX2" fmla="*/ 869064 w 869064"/>
+                <a:gd name="connsiteY2" fmla="*/ 434532 h 869064"/>
+                <a:gd name="connsiteX3" fmla="*/ 434532 w 869064"/>
+                <a:gd name="connsiteY3" fmla="*/ 869064 h 869064"/>
+                <a:gd name="connsiteX4" fmla="*/ 0 w 869064"/>
+                <a:gd name="connsiteY4" fmla="*/ 434532 h 869064"/>
+              </a:gdLst>
+              <a:ahLst/>
+              <a:cxnLst>
+                <a:cxn ang="0">
+                  <a:pos x="connsiteX0" y="connsiteY0"/>
+                </a:cxn>
+                <a:cxn ang="0">
+                  <a:pos x="connsiteX1" y="connsiteY1"/>
+                </a:cxn>
+                <a:cxn ang="0">
+                  <a:pos x="connsiteX2" y="connsiteY2"/>
+                </a:cxn>
+                <a:cxn ang="0">
+                  <a:pos x="connsiteX3" y="connsiteY3"/>
+                </a:cxn>
+                <a:cxn ang="0">
+                  <a:pos x="connsiteX4" y="connsiteY4"/>
+                </a:cxn>
+              </a:cxnLst>
+              <a:rect l="l" t="t" r="r" b="b"/>
+              <a:pathLst>
+                <a:path w="869064" h="869064">
+                  <a:moveTo>
+                    <a:pt x="0" y="434532"/>
+                  </a:moveTo>
+                  <a:cubicBezTo>
+                    <a:pt x="0" y="194547"/>
+                    <a:pt x="194547" y="0"/>
+                    <a:pt x="434532" y="0"/>
+                  </a:cubicBezTo>
+                  <a:cubicBezTo>
+                    <a:pt x="674517" y="0"/>
+                    <a:pt x="869064" y="194547"/>
+                    <a:pt x="869064" y="434532"/>
+                  </a:cubicBezTo>
+                  <a:cubicBezTo>
+                    <a:pt x="869064" y="674517"/>
+                    <a:pt x="674517" y="869064"/>
+                    <a:pt x="434532" y="869064"/>
+                  </a:cubicBezTo>
+                  <a:cubicBezTo>
+                    <a:pt x="194547" y="869064"/>
+                    <a:pt x="0" y="674517"/>
+                    <a:pt x="0" y="434532"/>
+                  </a:cubicBezTo>
+                  <a:close/>
+                </a:path>
+              </a:pathLst>
+            </a:custGeom>
+          </p:spPr>
+          <p:style>
+            <a:lnRef idx="2">
+              <a:schemeClr val="lt1">
+                <a:hueOff val="0"/>
+                <a:satOff val="0"/>
+                <a:lumOff val="0"/>
+                <a:alphaOff val="0"/>
+              </a:schemeClr>
+            </a:lnRef>
+            <a:fillRef idx="1">
+              <a:schemeClr val="accent1">
+                <a:hueOff val="0"/>
+                <a:satOff val="0"/>
+                <a:lumOff val="0"/>
+                <a:alphaOff val="0"/>
+              </a:schemeClr>
+            </a:fillRef>
+            <a:effectRef idx="0">
+              <a:schemeClr val="accent1">
+                <a:hueOff val="0"/>
+                <a:satOff val="0"/>
+                <a:lumOff val="0"/>
+                <a:alphaOff val="0"/>
+              </a:schemeClr>
+            </a:effectRef>
+            <a:fontRef idx="minor">
+              <a:schemeClr val="lt1"/>
+            </a:fontRef>
+          </p:style>
+          <p:txBody>
+            <a:bodyPr spcFirstLastPara="0" vert="horz" wrap="square" lIns="161561" tIns="161561" rIns="161561" bIns="161561" numCol="1" spcCol="1270" anchor="ctr" anchorCtr="0">
+              <a:noAutofit/>
+            </a:bodyPr>
+            <a:lstStyle/>
+            <a:p>
+              <a:pPr marL="0" lvl="0" indent="0" algn="ctr" defTabSz="1200150">
+                <a:lnSpc>
+                  <a:spcPct val="90000"/>
+                </a:lnSpc>
+                <a:spcBef>
+                  <a:spcPct val="0"/>
+                </a:spcBef>
+                <a:spcAft>
+                  <a:spcPct val="35000"/>
+                </a:spcAft>
+                <a:buNone/>
+              </a:pPr>
+              <a:endParaRPr kumimoji="1" lang="ja-JP" altLang="en-US" sz="2700" kern="1200"/>
+            </a:p>
+          </p:txBody>
+        </p:sp>
+      </p:grpSp>
+      <p:pic>
+        <p:nvPicPr>
+          <p:cNvPr id="48" name="図 47" descr="アイコン&#10;&#10;自動的に生成された説明">
+            <a:extLst>
+              <a:ext uri="{FF2B5EF4-FFF2-40B4-BE49-F238E27FC236}">
+                <a16:creationId xmlns:a16="http://schemas.microsoft.com/office/drawing/2014/main" id="{81061D99-9C51-F284-939B-4B623D1844FA}"/>
+              </a:ext>
+            </a:extLst>
+          </p:cNvPr>
+          <p:cNvPicPr>
+            <a:picLocks noChangeAspect="1"/>
+          </p:cNvPicPr>
+          <p:nvPr/>
+        </p:nvPicPr>
+        <p:blipFill>
+          <a:blip r:embed="rId3">
+            <a:extLst>
+              <a:ext uri="{28A0092B-C50C-407E-A947-70E740481C1C}">
+                <a14:useLocalDpi xmlns:a14="http://schemas.microsoft.com/office/drawing/2010/main" val="0"/>
+              </a:ext>
+            </a:extLst>
+          </a:blip>
+          <a:stretch>
+            <a:fillRect/>
+          </a:stretch>
+        </p:blipFill>
+        <p:spPr>
+          <a:xfrm>
+            <a:off x="6864233" y="796841"/>
+            <a:ext cx="900000" cy="900000"/>
+          </a:xfrm>
+          <a:prstGeom prst="rect">
+            <a:avLst/>
+          </a:prstGeom>
+        </p:spPr>
+      </p:pic>
+      <p:pic>
+        <p:nvPicPr>
+          <p:cNvPr id="50" name="図 49" descr="図形&#10;&#10;自動的に生成された説明">
+            <a:extLst>
+              <a:ext uri="{FF2B5EF4-FFF2-40B4-BE49-F238E27FC236}">
+                <a16:creationId xmlns:a16="http://schemas.microsoft.com/office/drawing/2014/main" id="{FBDC6E95-F4C1-D2B4-F309-01DA55E80BF4}"/>
+              </a:ext>
+            </a:extLst>
+          </p:cNvPr>
+          <p:cNvPicPr>
+            <a:picLocks noChangeAspect="1"/>
+          </p:cNvPicPr>
+          <p:nvPr/>
+        </p:nvPicPr>
+        <p:blipFill>
+          <a:blip r:embed="rId4">
+            <a:extLst>
+              <a:ext uri="{28A0092B-C50C-407E-A947-70E740481C1C}">
+                <a14:useLocalDpi xmlns:a14="http://schemas.microsoft.com/office/drawing/2010/main" val="0"/>
+              </a:ext>
+            </a:extLst>
+          </a:blip>
+          <a:stretch>
+            <a:fillRect/>
+          </a:stretch>
+        </p:blipFill>
+        <p:spPr>
+          <a:xfrm>
+            <a:off x="7763828" y="1719130"/>
+            <a:ext cx="900000" cy="900000"/>
+          </a:xfrm>
+          <a:prstGeom prst="rect">
+            <a:avLst/>
+          </a:prstGeom>
+        </p:spPr>
+      </p:pic>
+      <p:pic>
+        <p:nvPicPr>
+          <p:cNvPr id="52" name="図 51" descr="図形, 円&#10;&#10;自動的に生成された説明">
+            <a:extLst>
+              <a:ext uri="{FF2B5EF4-FFF2-40B4-BE49-F238E27FC236}">
+                <a16:creationId xmlns:a16="http://schemas.microsoft.com/office/drawing/2014/main" id="{1005DE04-F963-3721-B27C-535C68545B81}"/>
+              </a:ext>
+            </a:extLst>
+          </p:cNvPr>
+          <p:cNvPicPr>
+            <a:picLocks noChangeAspect="1"/>
+          </p:cNvPicPr>
+          <p:nvPr/>
+        </p:nvPicPr>
+        <p:blipFill>
+          <a:blip r:embed="rId5">
+            <a:extLst>
+              <a:ext uri="{28A0092B-C50C-407E-A947-70E740481C1C}">
+                <a14:useLocalDpi xmlns:a14="http://schemas.microsoft.com/office/drawing/2010/main" val="0"/>
+              </a:ext>
+            </a:extLst>
+          </a:blip>
+          <a:stretch>
+            <a:fillRect/>
+          </a:stretch>
+        </p:blipFill>
+        <p:spPr>
+          <a:xfrm>
+            <a:off x="8082467" y="2986775"/>
+            <a:ext cx="900000" cy="900000"/>
+          </a:xfrm>
+          <a:prstGeom prst="rect">
+            <a:avLst/>
+          </a:prstGeom>
+        </p:spPr>
+      </p:pic>
+      <p:pic>
+        <p:nvPicPr>
+          <p:cNvPr id="54" name="図 53" descr="図形&#10;&#10;低い精度で自動的に生成された説明">
+            <a:extLst>
+              <a:ext uri="{FF2B5EF4-FFF2-40B4-BE49-F238E27FC236}">
+                <a16:creationId xmlns:a16="http://schemas.microsoft.com/office/drawing/2014/main" id="{9835A620-BF13-4955-87EC-498EC2FA95B0}"/>
+              </a:ext>
+            </a:extLst>
+          </p:cNvPr>
+          <p:cNvPicPr>
+            <a:picLocks noChangeAspect="1"/>
+          </p:cNvPicPr>
+          <p:nvPr/>
+        </p:nvPicPr>
+        <p:blipFill>
+          <a:blip r:embed="rId6">
+            <a:extLst>
+              <a:ext uri="{28A0092B-C50C-407E-A947-70E740481C1C}">
+                <a14:useLocalDpi xmlns:a14="http://schemas.microsoft.com/office/drawing/2010/main" val="0"/>
+              </a:ext>
+            </a:extLst>
+          </a:blip>
+          <a:stretch>
+            <a:fillRect/>
+          </a:stretch>
+        </p:blipFill>
+        <p:spPr>
+          <a:xfrm>
+            <a:off x="7756042" y="4238871"/>
+            <a:ext cx="900000" cy="900000"/>
+          </a:xfrm>
+          <a:prstGeom prst="rect">
+            <a:avLst/>
+          </a:prstGeom>
+        </p:spPr>
+      </p:pic>
+      <p:pic>
+        <p:nvPicPr>
+          <p:cNvPr id="56" name="図 55" descr="図形, 円&#10;&#10;自動的に生成された説明">
+            <a:extLst>
+              <a:ext uri="{FF2B5EF4-FFF2-40B4-BE49-F238E27FC236}">
+                <a16:creationId xmlns:a16="http://schemas.microsoft.com/office/drawing/2014/main" id="{A65E75E5-CEBA-0C18-1ADE-844C35E4034A}"/>
+              </a:ext>
+            </a:extLst>
+          </p:cNvPr>
+          <p:cNvPicPr>
+            <a:picLocks noChangeAspect="1"/>
+          </p:cNvPicPr>
+          <p:nvPr/>
+        </p:nvPicPr>
+        <p:blipFill>
+          <a:blip r:embed="rId7">
+            <a:extLst>
+              <a:ext uri="{28A0092B-C50C-407E-A947-70E740481C1C}">
+                <a14:useLocalDpi xmlns:a14="http://schemas.microsoft.com/office/drawing/2010/main" val="0"/>
+              </a:ext>
+            </a:extLst>
+          </a:blip>
+          <a:stretch>
+            <a:fillRect/>
+          </a:stretch>
+        </p:blipFill>
+        <p:spPr>
+          <a:xfrm>
+            <a:off x="6864233" y="5161160"/>
+            <a:ext cx="900000" cy="900000"/>
+          </a:xfrm>
+          <a:prstGeom prst="rect">
+            <a:avLst/>
+          </a:prstGeom>
+        </p:spPr>
+      </p:pic>
+      <p:pic>
+        <p:nvPicPr>
+          <p:cNvPr id="58" name="図 57" descr="アイコン&#10;&#10;自動的に生成された説明">
+            <a:extLst>
+              <a:ext uri="{FF2B5EF4-FFF2-40B4-BE49-F238E27FC236}">
+                <a16:creationId xmlns:a16="http://schemas.microsoft.com/office/drawing/2014/main" id="{8AA9BA37-40C8-A6B1-BA04-20DF2F8C30F6}"/>
+              </a:ext>
+            </a:extLst>
+          </p:cNvPr>
+          <p:cNvPicPr>
+            <a:picLocks noChangeAspect="1"/>
+          </p:cNvPicPr>
+          <p:nvPr/>
+        </p:nvPicPr>
+        <p:blipFill>
+          <a:blip r:embed="rId8">
+            <a:extLst>
+              <a:ext uri="{28A0092B-C50C-407E-A947-70E740481C1C}">
+                <a14:useLocalDpi xmlns:a14="http://schemas.microsoft.com/office/drawing/2010/main" val="0"/>
+              </a:ext>
+            </a:extLst>
+          </a:blip>
+          <a:stretch>
+            <a:fillRect/>
+          </a:stretch>
+        </p:blipFill>
+        <p:spPr>
+          <a:xfrm>
+            <a:off x="5646000" y="5498740"/>
+            <a:ext cx="900000" cy="900000"/>
+          </a:xfrm>
+          <a:prstGeom prst="rect">
+            <a:avLst/>
+          </a:prstGeom>
+        </p:spPr>
+      </p:pic>
+      <p:pic>
+        <p:nvPicPr>
+          <p:cNvPr id="60" name="図 59" descr="図形, 円&#10;&#10;自動的に生成された説明">
+            <a:extLst>
+              <a:ext uri="{FF2B5EF4-FFF2-40B4-BE49-F238E27FC236}">
+                <a16:creationId xmlns:a16="http://schemas.microsoft.com/office/drawing/2014/main" id="{EBE81624-8397-2131-83CC-19FD44420B05}"/>
+              </a:ext>
+            </a:extLst>
+          </p:cNvPr>
+          <p:cNvPicPr>
+            <a:picLocks noChangeAspect="1"/>
+          </p:cNvPicPr>
+          <p:nvPr/>
+        </p:nvPicPr>
+        <p:blipFill>
+          <a:blip r:embed="rId9">
+            <a:extLst>
+              <a:ext uri="{28A0092B-C50C-407E-A947-70E740481C1C}">
+                <a14:useLocalDpi xmlns:a14="http://schemas.microsoft.com/office/drawing/2010/main" val="0"/>
+              </a:ext>
+            </a:extLst>
+          </a:blip>
+          <a:stretch>
+            <a:fillRect/>
+          </a:stretch>
+        </p:blipFill>
+        <p:spPr>
+          <a:xfrm>
+            <a:off x="4426299" y="5161160"/>
+            <a:ext cx="900000" cy="900000"/>
+          </a:xfrm>
+          <a:prstGeom prst="rect">
+            <a:avLst/>
+          </a:prstGeom>
+        </p:spPr>
+      </p:pic>
+      <p:pic>
+        <p:nvPicPr>
+          <p:cNvPr id="62" name="図 61" descr="アイコン&#10;&#10;自動的に生成された説明">
+            <a:extLst>
+              <a:ext uri="{FF2B5EF4-FFF2-40B4-BE49-F238E27FC236}">
+                <a16:creationId xmlns:a16="http://schemas.microsoft.com/office/drawing/2014/main" id="{950BC751-2417-4092-2583-4787A0ED588A}"/>
+              </a:ext>
+            </a:extLst>
+          </p:cNvPr>
+          <p:cNvPicPr>
+            <a:picLocks noChangeAspect="1"/>
+          </p:cNvPicPr>
+          <p:nvPr/>
+        </p:nvPicPr>
+        <p:blipFill>
+          <a:blip r:embed="rId10">
+            <a:extLst>
+              <a:ext uri="{28A0092B-C50C-407E-A947-70E740481C1C}">
+                <a14:useLocalDpi xmlns:a14="http://schemas.microsoft.com/office/drawing/2010/main" val="0"/>
+              </a:ext>
+            </a:extLst>
+          </a:blip>
+          <a:stretch>
+            <a:fillRect/>
+          </a:stretch>
+        </p:blipFill>
+        <p:spPr>
+          <a:xfrm>
+            <a:off x="3535957" y="4280790"/>
+            <a:ext cx="900000" cy="900000"/>
+          </a:xfrm>
+          <a:prstGeom prst="rect">
+            <a:avLst/>
+          </a:prstGeom>
+        </p:spPr>
+      </p:pic>
+      <p:pic>
+        <p:nvPicPr>
+          <p:cNvPr id="64" name="図 63" descr="図形, 円&#10;&#10;自動的に生成された説明">
+            <a:extLst>
+              <a:ext uri="{FF2B5EF4-FFF2-40B4-BE49-F238E27FC236}">
+                <a16:creationId xmlns:a16="http://schemas.microsoft.com/office/drawing/2014/main" id="{DF27CF93-E1BD-0D75-5414-3EF5842B362C}"/>
+              </a:ext>
+            </a:extLst>
+          </p:cNvPr>
+          <p:cNvPicPr>
+            <a:picLocks noChangeAspect="1"/>
+          </p:cNvPicPr>
+          <p:nvPr/>
+        </p:nvPicPr>
+        <p:blipFill>
+          <a:blip r:embed="rId11">
+            <a:extLst>
+              <a:ext uri="{28A0092B-C50C-407E-A947-70E740481C1C}">
+                <a14:useLocalDpi xmlns:a14="http://schemas.microsoft.com/office/drawing/2010/main" val="0"/>
+              </a:ext>
+            </a:extLst>
+          </a:blip>
+          <a:stretch>
+            <a:fillRect/>
+          </a:stretch>
+        </p:blipFill>
+        <p:spPr>
+          <a:xfrm>
+            <a:off x="3209532" y="2994550"/>
+            <a:ext cx="900000" cy="900000"/>
+          </a:xfrm>
+          <a:prstGeom prst="rect">
+            <a:avLst/>
+          </a:prstGeom>
+        </p:spPr>
+      </p:pic>
+      <p:pic>
+        <p:nvPicPr>
+          <p:cNvPr id="66" name="図 65" descr="図形, 円&#10;&#10;自動的に生成された説明">
+            <a:extLst>
+              <a:ext uri="{FF2B5EF4-FFF2-40B4-BE49-F238E27FC236}">
+                <a16:creationId xmlns:a16="http://schemas.microsoft.com/office/drawing/2014/main" id="{41FC710F-6795-A70E-76CF-B10A38A6E810}"/>
+              </a:ext>
+            </a:extLst>
+          </p:cNvPr>
+          <p:cNvPicPr>
+            <a:picLocks noChangeAspect="1"/>
+          </p:cNvPicPr>
+          <p:nvPr/>
+        </p:nvPicPr>
+        <p:blipFill>
+          <a:blip r:embed="rId7">
+            <a:extLst>
+              <a:ext uri="{28A0092B-C50C-407E-A947-70E740481C1C}">
+                <a14:useLocalDpi xmlns:a14="http://schemas.microsoft.com/office/drawing/2010/main" val="0"/>
+              </a:ext>
+            </a:extLst>
+          </a:blip>
+          <a:stretch>
+            <a:fillRect/>
+          </a:stretch>
+        </p:blipFill>
+        <p:spPr>
+          <a:xfrm>
+            <a:off x="3535957" y="1719130"/>
+            <a:ext cx="900000" cy="900000"/>
+          </a:xfrm>
+          <a:prstGeom prst="rect">
+            <a:avLst/>
+          </a:prstGeom>
+        </p:spPr>
+      </p:pic>
+      <p:pic>
+        <p:nvPicPr>
+          <p:cNvPr id="68" name="図 67" descr="図形, 円&#10;&#10;自動的に生成された説明">
+            <a:extLst>
+              <a:ext uri="{FF2B5EF4-FFF2-40B4-BE49-F238E27FC236}">
+                <a16:creationId xmlns:a16="http://schemas.microsoft.com/office/drawing/2014/main" id="{F96E9E0A-B0C8-F0CA-59DE-62B19B7E10E8}"/>
+              </a:ext>
+            </a:extLst>
+          </p:cNvPr>
+          <p:cNvPicPr>
+            <a:picLocks noChangeAspect="1"/>
+          </p:cNvPicPr>
+          <p:nvPr/>
+        </p:nvPicPr>
+        <p:blipFill>
+          <a:blip r:embed="rId12">
+            <a:extLst>
+              <a:ext uri="{28A0092B-C50C-407E-A947-70E740481C1C}">
+                <a14:useLocalDpi xmlns:a14="http://schemas.microsoft.com/office/drawing/2010/main" val="0"/>
+              </a:ext>
+            </a:extLst>
+          </a:blip>
+          <a:stretch>
+            <a:fillRect/>
+          </a:stretch>
+        </p:blipFill>
+        <p:spPr>
+          <a:xfrm>
+            <a:off x="4426299" y="811355"/>
+            <a:ext cx="900000" cy="900000"/>
+          </a:xfrm>
+          <a:prstGeom prst="rect">
+            <a:avLst/>
+          </a:prstGeom>
+        </p:spPr>
+      </p:pic>
+    </p:spTree>
+    <p:extLst>
+      <p:ext uri="{BB962C8B-B14F-4D97-AF65-F5344CB8AC3E}">
+        <p14:creationId xmlns:p14="http://schemas.microsoft.com/office/powerpoint/2010/main" val="2912684426"/>
+      </p:ext>
+    </p:extLst>
+  </p:cSld>
+  <p:clrMapOvr>
+    <a:masterClrMapping/>
+  </p:clrMapOvr>
+</p:sld>
+</file>
+
+<file path=ppt/slides/slide8.xml><?xml version="1.0" encoding="utf-8"?>
+<p:sld xmlns:a="http://schemas.openxmlformats.org/drawingml/2006/main" xmlns:r="http://schemas.openxmlformats.org/officeDocument/2006/relationships" xmlns:p="http://schemas.openxmlformats.org/presentationml/2006/main">
+  <p:cSld>
+    <p:spTree>
+      <p:nvGrpSpPr>
+        <p:cNvPr id="1" name=""/>
+        <p:cNvGrpSpPr/>
+        <p:nvPr/>
+      </p:nvGrpSpPr>
+      <p:grpSpPr>
+        <a:xfrm>
+          <a:off x="0" y="0"/>
+          <a:ext cx="0" cy="0"/>
+          <a:chOff x="0" y="0"/>
+          <a:chExt cx="0" cy="0"/>
+        </a:xfrm>
+      </p:grpSpPr>
+      <p:pic>
+        <p:nvPicPr>
+          <p:cNvPr id="6" name="図 5" descr="アイコン&#10;&#10;自動的に生成された説明">
+            <a:extLst>
+              <a:ext uri="{FF2B5EF4-FFF2-40B4-BE49-F238E27FC236}">
+                <a16:creationId xmlns:a16="http://schemas.microsoft.com/office/drawing/2014/main" id="{3469ED80-2249-5AAE-4B40-004A15BD3F9E}"/>
+              </a:ext>
+            </a:extLst>
+          </p:cNvPr>
+          <p:cNvPicPr>
+            <a:picLocks noChangeAspect="1"/>
+          </p:cNvPicPr>
+          <p:nvPr/>
+        </p:nvPicPr>
+        <p:blipFill>
+          <a:blip r:embed="rId2">
+            <a:extLst>
+              <a:ext uri="{28A0092B-C50C-407E-A947-70E740481C1C}">
+                <a14:useLocalDpi xmlns:a14="http://schemas.microsoft.com/office/drawing/2010/main" val="0"/>
+              </a:ext>
+            </a:extLst>
+          </a:blip>
+          <a:stretch>
+            <a:fillRect/>
+          </a:stretch>
+        </p:blipFill>
+        <p:spPr>
+          <a:xfrm>
+            <a:off x="2667000" y="0"/>
+            <a:ext cx="6858000" cy="6858000"/>
+          </a:xfrm>
+          <a:prstGeom prst="rect">
+            <a:avLst/>
+          </a:prstGeom>
+        </p:spPr>
+      </p:pic>
+      <p:pic>
+        <p:nvPicPr>
+          <p:cNvPr id="48" name="図 47" descr="アイコン&#10;&#10;自動的に生成された説明">
+            <a:extLst>
+              <a:ext uri="{FF2B5EF4-FFF2-40B4-BE49-F238E27FC236}">
+                <a16:creationId xmlns:a16="http://schemas.microsoft.com/office/drawing/2014/main" id="{81061D99-9C51-F284-939B-4B623D1844FA}"/>
+              </a:ext>
+            </a:extLst>
+          </p:cNvPr>
+          <p:cNvPicPr>
+            <a:picLocks noChangeAspect="1"/>
+          </p:cNvPicPr>
+          <p:nvPr/>
+        </p:nvPicPr>
+        <p:blipFill>
+          <a:blip r:embed="rId3">
+            <a:extLst>
+              <a:ext uri="{28A0092B-C50C-407E-A947-70E740481C1C}">
+                <a14:useLocalDpi xmlns:a14="http://schemas.microsoft.com/office/drawing/2010/main" val="0"/>
+              </a:ext>
+            </a:extLst>
+          </a:blip>
+          <a:stretch>
+            <a:fillRect/>
+          </a:stretch>
+        </p:blipFill>
+        <p:spPr>
+          <a:xfrm>
+            <a:off x="6864233" y="796841"/>
+            <a:ext cx="900000" cy="900000"/>
+          </a:xfrm>
+          <a:prstGeom prst="rect">
+            <a:avLst/>
+          </a:prstGeom>
+        </p:spPr>
+      </p:pic>
+      <p:pic>
+        <p:nvPicPr>
+          <p:cNvPr id="54" name="図 53" descr="図形&#10;&#10;低い精度で自動的に生成された説明">
+            <a:extLst>
+              <a:ext uri="{FF2B5EF4-FFF2-40B4-BE49-F238E27FC236}">
+                <a16:creationId xmlns:a16="http://schemas.microsoft.com/office/drawing/2014/main" id="{9835A620-BF13-4955-87EC-498EC2FA95B0}"/>
+              </a:ext>
+            </a:extLst>
+          </p:cNvPr>
+          <p:cNvPicPr>
+            <a:picLocks noChangeAspect="1"/>
+          </p:cNvPicPr>
+          <p:nvPr/>
+        </p:nvPicPr>
+        <p:blipFill>
+          <a:blip r:embed="rId4">
+            <a:extLst>
+              <a:ext uri="{28A0092B-C50C-407E-A947-70E740481C1C}">
+                <a14:useLocalDpi xmlns:a14="http://schemas.microsoft.com/office/drawing/2010/main" val="0"/>
+              </a:ext>
+            </a:extLst>
+          </a:blip>
+          <a:stretch>
+            <a:fillRect/>
+          </a:stretch>
+        </p:blipFill>
+        <p:spPr>
+          <a:xfrm>
+            <a:off x="7756042" y="4238871"/>
+            <a:ext cx="900000" cy="900000"/>
+          </a:xfrm>
+          <a:prstGeom prst="rect">
+            <a:avLst/>
+          </a:prstGeom>
+        </p:spPr>
+      </p:pic>
+      <p:pic>
+        <p:nvPicPr>
+          <p:cNvPr id="60" name="図 59" descr="図形, 円&#10;&#10;自動的に生成された説明">
+            <a:extLst>
+              <a:ext uri="{FF2B5EF4-FFF2-40B4-BE49-F238E27FC236}">
+                <a16:creationId xmlns:a16="http://schemas.microsoft.com/office/drawing/2014/main" id="{EBE81624-8397-2131-83CC-19FD44420B05}"/>
+              </a:ext>
+            </a:extLst>
+          </p:cNvPr>
+          <p:cNvPicPr>
+            <a:picLocks noChangeAspect="1"/>
+          </p:cNvPicPr>
+          <p:nvPr/>
+        </p:nvPicPr>
+        <p:blipFill>
+          <a:blip r:embed="rId5">
+            <a:extLst>
+              <a:ext uri="{28A0092B-C50C-407E-A947-70E740481C1C}">
+                <a14:useLocalDpi xmlns:a14="http://schemas.microsoft.com/office/drawing/2010/main" val="0"/>
+              </a:ext>
+            </a:extLst>
+          </a:blip>
+          <a:stretch>
+            <a:fillRect/>
+          </a:stretch>
+        </p:blipFill>
+        <p:spPr>
+          <a:xfrm>
+            <a:off x="4426299" y="5161160"/>
+            <a:ext cx="900000" cy="900000"/>
+          </a:xfrm>
+          <a:prstGeom prst="rect">
+            <a:avLst/>
+          </a:prstGeom>
+        </p:spPr>
+      </p:pic>
+      <p:pic>
+        <p:nvPicPr>
+          <p:cNvPr id="10" name="図 9" descr="ロゴ, アイコン&#10;&#10;中程度の精度で自動的に生成された説明">
+            <a:extLst>
+              <a:ext uri="{FF2B5EF4-FFF2-40B4-BE49-F238E27FC236}">
+                <a16:creationId xmlns:a16="http://schemas.microsoft.com/office/drawing/2014/main" id="{6BA75744-39F2-CDD8-7BC4-91BBC9FB24A3}"/>
+              </a:ext>
+            </a:extLst>
+          </p:cNvPr>
+          <p:cNvPicPr>
+            <a:picLocks noChangeAspect="1"/>
+          </p:cNvPicPr>
+          <p:nvPr/>
+        </p:nvPicPr>
+        <p:blipFill>
+          <a:blip r:embed="rId6">
+            <a:extLst>
+              <a:ext uri="{28A0092B-C50C-407E-A947-70E740481C1C}">
+                <a14:useLocalDpi xmlns:a14="http://schemas.microsoft.com/office/drawing/2010/main" val="0"/>
+              </a:ext>
+            </a:extLst>
+          </a:blip>
+          <a:stretch>
+            <a:fillRect/>
+          </a:stretch>
+        </p:blipFill>
+        <p:spPr>
+          <a:xfrm>
+            <a:off x="2667000" y="0"/>
+            <a:ext cx="6858000" cy="6858000"/>
+          </a:xfrm>
+          <a:prstGeom prst="rect">
+            <a:avLst/>
+          </a:prstGeom>
+        </p:spPr>
+      </p:pic>
+      <p:pic>
+        <p:nvPicPr>
+          <p:cNvPr id="66" name="図 65" descr="図形, 円&#10;&#10;自動的に生成された説明">
+            <a:extLst>
+              <a:ext uri="{FF2B5EF4-FFF2-40B4-BE49-F238E27FC236}">
+                <a16:creationId xmlns:a16="http://schemas.microsoft.com/office/drawing/2014/main" id="{41FC710F-6795-A70E-76CF-B10A38A6E810}"/>
+              </a:ext>
+            </a:extLst>
+          </p:cNvPr>
+          <p:cNvPicPr>
+            <a:picLocks noChangeAspect="1"/>
+          </p:cNvPicPr>
+          <p:nvPr/>
+        </p:nvPicPr>
+        <p:blipFill>
+          <a:blip r:embed="rId7">
+            <a:extLst>
+              <a:ext uri="{28A0092B-C50C-407E-A947-70E740481C1C}">
+                <a14:useLocalDpi xmlns:a14="http://schemas.microsoft.com/office/drawing/2010/main" val="0"/>
+              </a:ext>
+            </a:extLst>
+          </a:blip>
+          <a:stretch>
+            <a:fillRect/>
+          </a:stretch>
+        </p:blipFill>
+        <p:spPr>
+          <a:xfrm>
+            <a:off x="3535957" y="1719130"/>
+            <a:ext cx="900000" cy="900000"/>
+          </a:xfrm>
+          <a:prstGeom prst="rect">
+            <a:avLst/>
+          </a:prstGeom>
+        </p:spPr>
+      </p:pic>
+      <p:pic>
+        <p:nvPicPr>
+          <p:cNvPr id="3" name="図 2" descr="図形, 円&#10;&#10;自動的に生成された説明">
+            <a:extLst>
+              <a:ext uri="{FF2B5EF4-FFF2-40B4-BE49-F238E27FC236}">
+                <a16:creationId xmlns:a16="http://schemas.microsoft.com/office/drawing/2014/main" id="{E3DC0768-CA3E-6B75-3A63-69926C176E0C}"/>
+              </a:ext>
+            </a:extLst>
+          </p:cNvPr>
+          <p:cNvPicPr>
+            <a:picLocks noChangeAspect="1"/>
+          </p:cNvPicPr>
+          <p:nvPr/>
+        </p:nvPicPr>
+        <p:blipFill>
+          <a:blip r:embed="rId7">
+            <a:extLst>
+              <a:ext uri="{28A0092B-C50C-407E-A947-70E740481C1C}">
+                <a14:useLocalDpi xmlns:a14="http://schemas.microsoft.com/office/drawing/2010/main" val="0"/>
+              </a:ext>
+            </a:extLst>
+          </a:blip>
+          <a:stretch>
+            <a:fillRect/>
+          </a:stretch>
+        </p:blipFill>
+        <p:spPr>
+          <a:xfrm>
+            <a:off x="6856042" y="796841"/>
+            <a:ext cx="900000" cy="900000"/>
+          </a:xfrm>
+          <a:prstGeom prst="rect">
+            <a:avLst/>
+          </a:prstGeom>
+        </p:spPr>
+      </p:pic>
+      <p:pic>
+        <p:nvPicPr>
+          <p:cNvPr id="5" name="図 4" descr="図形, 円&#10;&#10;自動的に生成された説明">
+            <a:extLst>
+              <a:ext uri="{FF2B5EF4-FFF2-40B4-BE49-F238E27FC236}">
+                <a16:creationId xmlns:a16="http://schemas.microsoft.com/office/drawing/2014/main" id="{48A01BDB-C957-07D6-592F-EAADE42929F3}"/>
+              </a:ext>
+            </a:extLst>
+          </p:cNvPr>
+          <p:cNvPicPr>
+            <a:picLocks noChangeAspect="1"/>
+          </p:cNvPicPr>
+          <p:nvPr/>
+        </p:nvPicPr>
+        <p:blipFill>
+          <a:blip r:embed="rId7">
+            <a:extLst>
+              <a:ext uri="{28A0092B-C50C-407E-A947-70E740481C1C}">
+                <a14:useLocalDpi xmlns:a14="http://schemas.microsoft.com/office/drawing/2010/main" val="0"/>
+              </a:ext>
+            </a:extLst>
+          </a:blip>
+          <a:stretch>
+            <a:fillRect/>
+          </a:stretch>
+        </p:blipFill>
+        <p:spPr>
+          <a:xfrm>
+            <a:off x="7756042" y="4238871"/>
+            <a:ext cx="900000" cy="900000"/>
+          </a:xfrm>
+          <a:prstGeom prst="rect">
+            <a:avLst/>
+          </a:prstGeom>
+        </p:spPr>
+      </p:pic>
+      <p:pic>
+        <p:nvPicPr>
+          <p:cNvPr id="8" name="図 7" descr="図形, 円&#10;&#10;自動的に生成された説明">
+            <a:extLst>
+              <a:ext uri="{FF2B5EF4-FFF2-40B4-BE49-F238E27FC236}">
+                <a16:creationId xmlns:a16="http://schemas.microsoft.com/office/drawing/2014/main" id="{1429A445-0814-FE44-DAD4-559A9B253291}"/>
+              </a:ext>
+            </a:extLst>
+          </p:cNvPr>
+          <p:cNvPicPr>
+            <a:picLocks noChangeAspect="1"/>
+          </p:cNvPicPr>
+          <p:nvPr/>
+        </p:nvPicPr>
+        <p:blipFill>
+          <a:blip r:embed="rId7">
+            <a:extLst>
+              <a:ext uri="{28A0092B-C50C-407E-A947-70E740481C1C}">
+                <a14:useLocalDpi xmlns:a14="http://schemas.microsoft.com/office/drawing/2010/main" val="0"/>
+              </a:ext>
+            </a:extLst>
+          </a:blip>
+          <a:stretch>
+            <a:fillRect/>
+          </a:stretch>
+        </p:blipFill>
+        <p:spPr>
+          <a:xfrm>
+            <a:off x="4426299" y="5161160"/>
+            <a:ext cx="900000" cy="900000"/>
+          </a:xfrm>
+          <a:prstGeom prst="rect">
+            <a:avLst/>
+          </a:prstGeom>
+        </p:spPr>
+      </p:pic>
+    </p:spTree>
+    <p:extLst>
+      <p:ext uri="{BB962C8B-B14F-4D97-AF65-F5344CB8AC3E}">
+        <p14:creationId xmlns:p14="http://schemas.microsoft.com/office/powerpoint/2010/main" val="1055515340"/>
+      </p:ext>
+    </p:extLst>
+  </p:cSld>
+  <p:clrMapOvr>
+    <a:masterClrMapping/>
+  </p:clrMapOvr>
+</p:sld>
+</file>
+
+<file path=ppt/slides/slide9.xml><?xml version="1.0" encoding="utf-8"?>
+<p:sld xmlns:a="http://schemas.openxmlformats.org/drawingml/2006/main" xmlns:r="http://schemas.openxmlformats.org/officeDocument/2006/relationships" xmlns:p="http://schemas.openxmlformats.org/presentationml/2006/main">
+  <p:cSld>
+    <p:spTree>
+      <p:nvGrpSpPr>
+        <p:cNvPr id="1" name=""/>
+        <p:cNvGrpSpPr/>
+        <p:nvPr/>
+      </p:nvGrpSpPr>
+      <p:grpSpPr>
+        <a:xfrm>
+          <a:off x="0" y="0"/>
+          <a:ext cx="0" cy="0"/>
+          <a:chOff x="0" y="0"/>
+          <a:chExt cx="0" cy="0"/>
+        </a:xfrm>
+      </p:grpSpPr>
+      <p:sp>
+        <p:nvSpPr>
+          <p:cNvPr id="4" name="正方形/長方形 3">
+            <a:extLst>
+              <a:ext uri="{FF2B5EF4-FFF2-40B4-BE49-F238E27FC236}">
+                <a16:creationId xmlns:a16="http://schemas.microsoft.com/office/drawing/2014/main" id="{9DAD49F3-8F5D-20A2-1EB4-48C6DAF5C4DB}"/>
+              </a:ext>
+            </a:extLst>
+          </p:cNvPr>
+          <p:cNvSpPr/>
+          <p:nvPr/>
+        </p:nvSpPr>
+        <p:spPr>
+          <a:xfrm>
+            <a:off x="0" y="0"/>
+            <a:ext cx="12192000" cy="6858000"/>
+          </a:xfrm>
+          <a:prstGeom prst="rect">
+            <a:avLst/>
+          </a:prstGeom>
+          <a:solidFill>
+            <a:srgbClr val="FEE356"/>
+          </a:solidFill>
+          <a:ln>
+            <a:solidFill>
+              <a:srgbClr val="EDE6EC"/>
+            </a:solidFill>
+          </a:ln>
+        </p:spPr>
+        <p:style>
+          <a:lnRef idx="2">
+            <a:schemeClr val="accent1">
+              <a:shade val="15000"/>
+            </a:schemeClr>
+          </a:lnRef>
+          <a:fillRef idx="1">
+            <a:schemeClr val="accent1"/>
+          </a:fillRef>
+          <a:effectRef idx="0">
+            <a:schemeClr val="accent1"/>
+          </a:effectRef>
+          <a:fontRef idx="minor">
+            <a:schemeClr val="lt1"/>
+          </a:fontRef>
+        </p:style>
+        <p:txBody>
+          <a:bodyPr rtlCol="0" anchor="ctr"/>
+          <a:lstStyle/>
+          <a:p>
+            <a:pPr algn="ctr"/>
+            <a:endParaRPr kumimoji="1" lang="ja-JP" altLang="en-US"/>
+          </a:p>
+        </p:txBody>
+      </p:sp>
+      <p:pic>
+        <p:nvPicPr>
+          <p:cNvPr id="3" name="図 2" descr="輸送, ホイール が含まれている画像&#10;&#10;自動的に生成された説明">
+            <a:extLst>
+              <a:ext uri="{FF2B5EF4-FFF2-40B4-BE49-F238E27FC236}">
+                <a16:creationId xmlns:a16="http://schemas.microsoft.com/office/drawing/2014/main" id="{20F4C94D-6ABA-9592-FB39-FADE0BB47679}"/>
+              </a:ext>
+            </a:extLst>
+          </p:cNvPr>
+          <p:cNvPicPr>
+            <a:picLocks noChangeAspect="1"/>
+          </p:cNvPicPr>
+          <p:nvPr/>
+        </p:nvPicPr>
+        <p:blipFill>
+          <a:blip r:embed="rId2">
+            <a:extLst>
+              <a:ext uri="{28A0092B-C50C-407E-A947-70E740481C1C}">
+                <a14:useLocalDpi xmlns:a14="http://schemas.microsoft.com/office/drawing/2010/main" val="0"/>
+              </a:ext>
+            </a:extLst>
+          </a:blip>
+          <a:stretch>
+            <a:fillRect/>
+          </a:stretch>
+        </p:blipFill>
+        <p:spPr>
+          <a:xfrm>
+            <a:off x="2667000" y="0"/>
+            <a:ext cx="6858000" cy="6858000"/>
+          </a:xfrm>
+          <a:prstGeom prst="rect">
+            <a:avLst/>
+          </a:prstGeom>
+        </p:spPr>
+      </p:pic>
+      <p:sp>
+        <p:nvSpPr>
+          <p:cNvPr id="6" name="正方形/長方形 5">
+            <a:extLst>
+              <a:ext uri="{FF2B5EF4-FFF2-40B4-BE49-F238E27FC236}">
+                <a16:creationId xmlns:a16="http://schemas.microsoft.com/office/drawing/2014/main" id="{930F9614-CF71-FD4A-07E5-AE4934B9B9B0}"/>
+              </a:ext>
+            </a:extLst>
+          </p:cNvPr>
+          <p:cNvSpPr/>
+          <p:nvPr/>
+        </p:nvSpPr>
+        <p:spPr>
+          <a:xfrm>
+            <a:off x="2496000" y="-171000"/>
+            <a:ext cx="7200000" cy="7200000"/>
+          </a:xfrm>
+          <a:prstGeom prst="rect">
+            <a:avLst/>
+          </a:prstGeom>
+          <a:ln>
+            <a:noFill/>
+          </a:ln>
+        </p:spPr>
+        <p:style>
+          <a:lnRef idx="2">
+            <a:schemeClr val="accent1">
+              <a:shade val="15000"/>
+            </a:schemeClr>
+          </a:lnRef>
+          <a:fillRef idx="1">
+            <a:schemeClr val="accent1"/>
+          </a:fillRef>
+          <a:effectRef idx="0">
+            <a:schemeClr val="accent1"/>
+          </a:effectRef>
+          <a:fontRef idx="minor">
+            <a:schemeClr val="lt1"/>
+          </a:fontRef>
+        </p:style>
+        <p:txBody>
+          <a:bodyPr rtlCol="0" anchor="ctr"/>
+          <a:lstStyle/>
+          <a:p>
+            <a:pPr algn="ctr"/>
+            <a:endParaRPr kumimoji="1" lang="ja-JP" altLang="en-US"/>
+          </a:p>
+        </p:txBody>
+      </p:sp>
+      <p:sp>
+        <p:nvSpPr>
+          <p:cNvPr id="5" name="アーチ 4">
+            <a:extLst>
+              <a:ext uri="{FF2B5EF4-FFF2-40B4-BE49-F238E27FC236}">
+                <a16:creationId xmlns:a16="http://schemas.microsoft.com/office/drawing/2014/main" id="{1E21266E-6B0D-F7D4-2929-CB7AD7204355}"/>
+              </a:ext>
+            </a:extLst>
+          </p:cNvPr>
+          <p:cNvSpPr/>
+          <p:nvPr/>
+        </p:nvSpPr>
+        <p:spPr>
+          <a:xfrm>
+            <a:off x="2856000" y="189000"/>
+            <a:ext cx="6480000" cy="6480000"/>
+          </a:xfrm>
+          <a:prstGeom prst="blockArc">
+            <a:avLst>
+              <a:gd name="adj1" fmla="val 16954500"/>
+              <a:gd name="adj2" fmla="val 18909981"/>
+              <a:gd name="adj3" fmla="val 23314"/>
+            </a:avLst>
+          </a:prstGeom>
+          <a:noFill/>
+          <a:ln w="127000">
+            <a:solidFill>
+              <a:schemeClr val="accent4"/>
+            </a:solidFill>
+          </a:ln>
+        </p:spPr>
+        <p:style>
+          <a:lnRef idx="2">
+            <a:schemeClr val="accent1">
+              <a:shade val="15000"/>
+            </a:schemeClr>
+          </a:lnRef>
+          <a:fillRef idx="1">
+            <a:schemeClr val="accent1"/>
+          </a:fillRef>
+          <a:effectRef idx="0">
+            <a:schemeClr val="accent1"/>
+          </a:effectRef>
+          <a:fontRef idx="minor">
+            <a:schemeClr val="lt1"/>
+          </a:fontRef>
+        </p:style>
+        <p:txBody>
+          <a:bodyPr rtlCol="0" anchor="ctr"/>
+          <a:lstStyle/>
+          <a:p>
+            <a:pPr algn="ctr"/>
+            <a:endParaRPr kumimoji="1" lang="ja-JP" altLang="en-US">
+              <a:solidFill>
+                <a:schemeClr val="tx1"/>
+              </a:solidFill>
+            </a:endParaRPr>
+          </a:p>
+        </p:txBody>
+      </p:sp>
+    </p:spTree>
+    <p:extLst>
+      <p:ext uri="{BB962C8B-B14F-4D97-AF65-F5344CB8AC3E}">
+        <p14:creationId xmlns:p14="http://schemas.microsoft.com/office/powerpoint/2010/main" val="3941454176"/>
       </p:ext>
     </p:extLst>
   </p:cSld>

--- a/tmp/イメージ.pptx
+++ b/tmp/イメージ.pptx
@@ -15,6 +15,7 @@
     <p:sldId id="264" r:id="rId9"/>
     <p:sldId id="263" r:id="rId10"/>
     <p:sldId id="265" r:id="rId11"/>
+    <p:sldId id="266" r:id="rId12"/>
   </p:sldIdLst>
   <p:sldSz cx="12192000" cy="6858000"/>
   <p:notesSz cx="6858000" cy="9144000"/>
@@ -4478,6 +4479,476 @@
       </p:par>
     </p:tnLst>
   </p:timing>
+</p:sld>
+</file>
+
+<file path=ppt/slides/slide11.xml><?xml version="1.0" encoding="utf-8"?>
+<p:sld xmlns:a="http://schemas.openxmlformats.org/drawingml/2006/main" xmlns:r="http://schemas.openxmlformats.org/officeDocument/2006/relationships" xmlns:p="http://schemas.openxmlformats.org/presentationml/2006/main">
+  <p:cSld>
+    <p:spTree>
+      <p:nvGrpSpPr>
+        <p:cNvPr id="1" name=""/>
+        <p:cNvGrpSpPr/>
+        <p:nvPr/>
+      </p:nvGrpSpPr>
+      <p:grpSpPr>
+        <a:xfrm>
+          <a:off x="0" y="0"/>
+          <a:ext cx="0" cy="0"/>
+          <a:chOff x="0" y="0"/>
+          <a:chExt cx="0" cy="0"/>
+        </a:xfrm>
+      </p:grpSpPr>
+      <p:sp>
+        <p:nvSpPr>
+          <p:cNvPr id="11" name="正方形/長方形 10">
+            <a:extLst>
+              <a:ext uri="{FF2B5EF4-FFF2-40B4-BE49-F238E27FC236}">
+                <a16:creationId xmlns:a16="http://schemas.microsoft.com/office/drawing/2014/main" id="{FA15A959-FA32-07CA-3085-28F7D03FF69D}"/>
+              </a:ext>
+            </a:extLst>
+          </p:cNvPr>
+          <p:cNvSpPr/>
+          <p:nvPr/>
+        </p:nvSpPr>
+        <p:spPr>
+          <a:xfrm>
+            <a:off x="5962650" y="72801"/>
+            <a:ext cx="266700" cy="2973461"/>
+          </a:xfrm>
+          <a:prstGeom prst="rect">
+            <a:avLst/>
+          </a:prstGeom>
+          <a:solidFill>
+            <a:schemeClr val="bg2">
+              <a:lumMod val="50000"/>
+            </a:schemeClr>
+          </a:solidFill>
+          <a:ln w="76200">
+            <a:solidFill>
+              <a:schemeClr val="tx1"/>
+            </a:solidFill>
+          </a:ln>
+        </p:spPr>
+        <p:style>
+          <a:lnRef idx="2">
+            <a:schemeClr val="accent1">
+              <a:shade val="15000"/>
+            </a:schemeClr>
+          </a:lnRef>
+          <a:fillRef idx="1">
+            <a:schemeClr val="accent1"/>
+          </a:fillRef>
+          <a:effectRef idx="0">
+            <a:schemeClr val="accent1"/>
+          </a:effectRef>
+          <a:fontRef idx="minor">
+            <a:schemeClr val="lt1"/>
+          </a:fontRef>
+        </p:style>
+        <p:txBody>
+          <a:bodyPr rtlCol="0" anchor="ctr"/>
+          <a:lstStyle/>
+          <a:p>
+            <a:pPr algn="ctr"/>
+            <a:endParaRPr kumimoji="1" lang="ja-JP" altLang="en-US">
+              <a:solidFill>
+                <a:schemeClr val="bg2">
+                  <a:lumMod val="75000"/>
+                </a:schemeClr>
+              </a:solidFill>
+            </a:endParaRPr>
+          </a:p>
+        </p:txBody>
+      </p:sp>
+      <p:sp>
+        <p:nvSpPr>
+          <p:cNvPr id="12" name="フリーフォーム: 図形 11">
+            <a:extLst>
+              <a:ext uri="{FF2B5EF4-FFF2-40B4-BE49-F238E27FC236}">
+                <a16:creationId xmlns:a16="http://schemas.microsoft.com/office/drawing/2014/main" id="{F723E812-6500-66AF-1CC9-EAED217676EE}"/>
+              </a:ext>
+            </a:extLst>
+          </p:cNvPr>
+          <p:cNvSpPr/>
+          <p:nvPr/>
+        </p:nvSpPr>
+        <p:spPr>
+          <a:xfrm rot="18900000">
+            <a:off x="4648542" y="3801142"/>
+            <a:ext cx="1490629" cy="1490629"/>
+          </a:xfrm>
+          <a:custGeom>
+            <a:avLst/>
+            <a:gdLst>
+              <a:gd name="connsiteX0" fmla="*/ 1490629 w 1490629"/>
+              <a:gd name="connsiteY0" fmla="*/ 0 h 1490629"/>
+              <a:gd name="connsiteX1" fmla="*/ 1490629 w 1490629"/>
+              <a:gd name="connsiteY1" fmla="*/ 316865 h 1490629"/>
+              <a:gd name="connsiteX2" fmla="*/ 316865 w 1490629"/>
+              <a:gd name="connsiteY2" fmla="*/ 316865 h 1490629"/>
+              <a:gd name="connsiteX3" fmla="*/ 316865 w 1490629"/>
+              <a:gd name="connsiteY3" fmla="*/ 1490629 h 1490629"/>
+              <a:gd name="connsiteX4" fmla="*/ 0 w 1490629"/>
+              <a:gd name="connsiteY4" fmla="*/ 1490629 h 1490629"/>
+              <a:gd name="connsiteX5" fmla="*/ 0 w 1490629"/>
+              <a:gd name="connsiteY5" fmla="*/ 2319 h 1490629"/>
+              <a:gd name="connsiteX6" fmla="*/ 2319 w 1490629"/>
+              <a:gd name="connsiteY6" fmla="*/ 2319 h 1490629"/>
+              <a:gd name="connsiteX7" fmla="*/ 2319 w 1490629"/>
+              <a:gd name="connsiteY7" fmla="*/ 0 h 1490629"/>
+            </a:gdLst>
+            <a:ahLst/>
+            <a:cxnLst>
+              <a:cxn ang="0">
+                <a:pos x="connsiteX0" y="connsiteY0"/>
+              </a:cxn>
+              <a:cxn ang="0">
+                <a:pos x="connsiteX1" y="connsiteY1"/>
+              </a:cxn>
+              <a:cxn ang="0">
+                <a:pos x="connsiteX2" y="connsiteY2"/>
+              </a:cxn>
+              <a:cxn ang="0">
+                <a:pos x="connsiteX3" y="connsiteY3"/>
+              </a:cxn>
+              <a:cxn ang="0">
+                <a:pos x="connsiteX4" y="connsiteY4"/>
+              </a:cxn>
+              <a:cxn ang="0">
+                <a:pos x="connsiteX5" y="connsiteY5"/>
+              </a:cxn>
+              <a:cxn ang="0">
+                <a:pos x="connsiteX6" y="connsiteY6"/>
+              </a:cxn>
+              <a:cxn ang="0">
+                <a:pos x="connsiteX7" y="connsiteY7"/>
+              </a:cxn>
+            </a:cxnLst>
+            <a:rect l="l" t="t" r="r" b="b"/>
+            <a:pathLst>
+              <a:path w="1490629" h="1490629">
+                <a:moveTo>
+                  <a:pt x="1490629" y="0"/>
+                </a:moveTo>
+                <a:lnTo>
+                  <a:pt x="1490629" y="316865"/>
+                </a:lnTo>
+                <a:lnTo>
+                  <a:pt x="316865" y="316865"/>
+                </a:lnTo>
+                <a:lnTo>
+                  <a:pt x="316865" y="1490629"/>
+                </a:lnTo>
+                <a:lnTo>
+                  <a:pt x="0" y="1490629"/>
+                </a:lnTo>
+                <a:lnTo>
+                  <a:pt x="0" y="2319"/>
+                </a:lnTo>
+                <a:lnTo>
+                  <a:pt x="2319" y="2319"/>
+                </a:lnTo>
+                <a:lnTo>
+                  <a:pt x="2319" y="0"/>
+                </a:lnTo>
+                <a:close/>
+              </a:path>
+            </a:pathLst>
+          </a:custGeom>
+          <a:solidFill>
+            <a:schemeClr val="bg2">
+              <a:lumMod val="50000"/>
+            </a:schemeClr>
+          </a:solidFill>
+          <a:ln w="76200">
+            <a:solidFill>
+              <a:schemeClr val="tx1"/>
+            </a:solidFill>
+          </a:ln>
+        </p:spPr>
+        <p:style>
+          <a:lnRef idx="2">
+            <a:schemeClr val="accent1">
+              <a:shade val="15000"/>
+            </a:schemeClr>
+          </a:lnRef>
+          <a:fillRef idx="1">
+            <a:schemeClr val="accent1"/>
+          </a:fillRef>
+          <a:effectRef idx="0">
+            <a:schemeClr val="accent1"/>
+          </a:effectRef>
+          <a:fontRef idx="minor">
+            <a:schemeClr val="lt1"/>
+          </a:fontRef>
+        </p:style>
+        <p:txBody>
+          <a:bodyPr wrap="square" rtlCol="0" anchor="ctr">
+            <a:noAutofit/>
+          </a:bodyPr>
+          <a:lstStyle/>
+          <a:p>
+            <a:pPr algn="ctr"/>
+            <a:endParaRPr kumimoji="1" lang="ja-JP" altLang="en-US"/>
+          </a:p>
+        </p:txBody>
+      </p:sp>
+      <p:sp>
+        <p:nvSpPr>
+          <p:cNvPr id="13" name="フリーフォーム: 図形 12">
+            <a:extLst>
+              <a:ext uri="{FF2B5EF4-FFF2-40B4-BE49-F238E27FC236}">
+                <a16:creationId xmlns:a16="http://schemas.microsoft.com/office/drawing/2014/main" id="{E8EB4481-8385-8A83-FA84-13A707843181}"/>
+              </a:ext>
+            </a:extLst>
+          </p:cNvPr>
+          <p:cNvSpPr/>
+          <p:nvPr/>
+        </p:nvSpPr>
+        <p:spPr>
+          <a:xfrm rot="2700000">
+            <a:off x="6049659" y="3803939"/>
+            <a:ext cx="1498937" cy="1491584"/>
+          </a:xfrm>
+          <a:custGeom>
+            <a:avLst/>
+            <a:gdLst>
+              <a:gd name="connsiteX0" fmla="*/ 0 w 1498937"/>
+              <a:gd name="connsiteY0" fmla="*/ 0 h 1491584"/>
+              <a:gd name="connsiteX1" fmla="*/ 1488310 w 1498937"/>
+              <a:gd name="connsiteY1" fmla="*/ 0 h 1491584"/>
+              <a:gd name="connsiteX2" fmla="*/ 1488310 w 1498937"/>
+              <a:gd name="connsiteY2" fmla="*/ 1331 h 1491584"/>
+              <a:gd name="connsiteX3" fmla="*/ 1489633 w 1498937"/>
+              <a:gd name="connsiteY3" fmla="*/ 1323 h 1491584"/>
+              <a:gd name="connsiteX4" fmla="*/ 1498937 w 1498937"/>
+              <a:gd name="connsiteY4" fmla="*/ 1489603 h 1491584"/>
+              <a:gd name="connsiteX5" fmla="*/ 1182078 w 1498937"/>
+              <a:gd name="connsiteY5" fmla="*/ 1491584 h 1491584"/>
+              <a:gd name="connsiteX6" fmla="*/ 1174734 w 1498937"/>
+              <a:gd name="connsiteY6" fmla="*/ 316865 h 1491584"/>
+              <a:gd name="connsiteX7" fmla="*/ 0 w 1498937"/>
+              <a:gd name="connsiteY7" fmla="*/ 316865 h 1491584"/>
+            </a:gdLst>
+            <a:ahLst/>
+            <a:cxnLst>
+              <a:cxn ang="0">
+                <a:pos x="connsiteX0" y="connsiteY0"/>
+              </a:cxn>
+              <a:cxn ang="0">
+                <a:pos x="connsiteX1" y="connsiteY1"/>
+              </a:cxn>
+              <a:cxn ang="0">
+                <a:pos x="connsiteX2" y="connsiteY2"/>
+              </a:cxn>
+              <a:cxn ang="0">
+                <a:pos x="connsiteX3" y="connsiteY3"/>
+              </a:cxn>
+              <a:cxn ang="0">
+                <a:pos x="connsiteX4" y="connsiteY4"/>
+              </a:cxn>
+              <a:cxn ang="0">
+                <a:pos x="connsiteX5" y="connsiteY5"/>
+              </a:cxn>
+              <a:cxn ang="0">
+                <a:pos x="connsiteX6" y="connsiteY6"/>
+              </a:cxn>
+              <a:cxn ang="0">
+                <a:pos x="connsiteX7" y="connsiteY7"/>
+              </a:cxn>
+            </a:cxnLst>
+            <a:rect l="l" t="t" r="r" b="b"/>
+            <a:pathLst>
+              <a:path w="1498937" h="1491584">
+                <a:moveTo>
+                  <a:pt x="0" y="0"/>
+                </a:moveTo>
+                <a:lnTo>
+                  <a:pt x="1488310" y="0"/>
+                </a:lnTo>
+                <a:lnTo>
+                  <a:pt x="1488310" y="1331"/>
+                </a:lnTo>
+                <a:lnTo>
+                  <a:pt x="1489633" y="1323"/>
+                </a:lnTo>
+                <a:lnTo>
+                  <a:pt x="1498937" y="1489603"/>
+                </a:lnTo>
+                <a:lnTo>
+                  <a:pt x="1182078" y="1491584"/>
+                </a:lnTo>
+                <a:lnTo>
+                  <a:pt x="1174734" y="316865"/>
+                </a:lnTo>
+                <a:lnTo>
+                  <a:pt x="0" y="316865"/>
+                </a:lnTo>
+                <a:close/>
+              </a:path>
+            </a:pathLst>
+          </a:custGeom>
+          <a:solidFill>
+            <a:schemeClr val="bg2">
+              <a:lumMod val="50000"/>
+            </a:schemeClr>
+          </a:solidFill>
+          <a:ln w="76200">
+            <a:solidFill>
+              <a:schemeClr val="tx1"/>
+            </a:solidFill>
+          </a:ln>
+        </p:spPr>
+        <p:style>
+          <a:lnRef idx="2">
+            <a:schemeClr val="accent1">
+              <a:shade val="15000"/>
+            </a:schemeClr>
+          </a:lnRef>
+          <a:fillRef idx="1">
+            <a:schemeClr val="accent1"/>
+          </a:fillRef>
+          <a:effectRef idx="0">
+            <a:schemeClr val="accent1"/>
+          </a:effectRef>
+          <a:fontRef idx="minor">
+            <a:schemeClr val="lt1"/>
+          </a:fontRef>
+        </p:style>
+        <p:txBody>
+          <a:bodyPr wrap="square" rtlCol="0" anchor="ctr">
+            <a:noAutofit/>
+          </a:bodyPr>
+          <a:lstStyle/>
+          <a:p>
+            <a:pPr algn="ctr"/>
+            <a:endParaRPr kumimoji="1" lang="ja-JP" altLang="en-US"/>
+          </a:p>
+        </p:txBody>
+      </p:sp>
+      <p:sp>
+        <p:nvSpPr>
+          <p:cNvPr id="6" name="楕円 5">
+            <a:extLst>
+              <a:ext uri="{FF2B5EF4-FFF2-40B4-BE49-F238E27FC236}">
+                <a16:creationId xmlns:a16="http://schemas.microsoft.com/office/drawing/2014/main" id="{71422056-9DDF-970F-ED46-97EBD7EDAD0B}"/>
+              </a:ext>
+            </a:extLst>
+          </p:cNvPr>
+          <p:cNvSpPr/>
+          <p:nvPr/>
+        </p:nvSpPr>
+        <p:spPr>
+          <a:xfrm>
+            <a:off x="4981303" y="2917080"/>
+            <a:ext cx="2229394" cy="1332412"/>
+          </a:xfrm>
+          <a:prstGeom prst="ellipse">
+            <a:avLst/>
+          </a:prstGeom>
+          <a:solidFill>
+            <a:schemeClr val="bg2">
+              <a:lumMod val="50000"/>
+            </a:schemeClr>
+          </a:solidFill>
+          <a:ln w="76200">
+            <a:solidFill>
+              <a:schemeClr val="tx1"/>
+            </a:solidFill>
+          </a:ln>
+        </p:spPr>
+        <p:style>
+          <a:lnRef idx="2">
+            <a:schemeClr val="accent1">
+              <a:shade val="15000"/>
+            </a:schemeClr>
+          </a:lnRef>
+          <a:fillRef idx="1">
+            <a:schemeClr val="accent1"/>
+          </a:fillRef>
+          <a:effectRef idx="0">
+            <a:schemeClr val="accent1"/>
+          </a:effectRef>
+          <a:fontRef idx="minor">
+            <a:schemeClr val="lt1"/>
+          </a:fontRef>
+        </p:style>
+        <p:txBody>
+          <a:bodyPr rtlCol="0" anchor="ctr"/>
+          <a:lstStyle/>
+          <a:p>
+            <a:pPr algn="ctr"/>
+            <a:endParaRPr kumimoji="1" lang="ja-JP" altLang="en-US"/>
+          </a:p>
+        </p:txBody>
+      </p:sp>
+      <p:sp>
+        <p:nvSpPr>
+          <p:cNvPr id="10" name="楕円 9">
+            <a:extLst>
+              <a:ext uri="{FF2B5EF4-FFF2-40B4-BE49-F238E27FC236}">
+                <a16:creationId xmlns:a16="http://schemas.microsoft.com/office/drawing/2014/main" id="{A8B21F57-2945-5F12-A3F9-41868BBFC695}"/>
+              </a:ext>
+            </a:extLst>
+          </p:cNvPr>
+          <p:cNvSpPr/>
+          <p:nvPr/>
+        </p:nvSpPr>
+        <p:spPr>
+          <a:xfrm>
+            <a:off x="5376000" y="3223286"/>
+            <a:ext cx="1440000" cy="720000"/>
+          </a:xfrm>
+          <a:prstGeom prst="ellipse">
+            <a:avLst/>
+          </a:prstGeom>
+          <a:solidFill>
+            <a:schemeClr val="bg2">
+              <a:lumMod val="50000"/>
+            </a:schemeClr>
+          </a:solidFill>
+          <a:ln w="76200">
+            <a:solidFill>
+              <a:schemeClr val="tx1"/>
+            </a:solidFill>
+          </a:ln>
+        </p:spPr>
+        <p:style>
+          <a:lnRef idx="2">
+            <a:schemeClr val="accent1">
+              <a:shade val="15000"/>
+            </a:schemeClr>
+          </a:lnRef>
+          <a:fillRef idx="1">
+            <a:schemeClr val="accent1"/>
+          </a:fillRef>
+          <a:effectRef idx="0">
+            <a:schemeClr val="accent1"/>
+          </a:effectRef>
+          <a:fontRef idx="minor">
+            <a:schemeClr val="lt1"/>
+          </a:fontRef>
+        </p:style>
+        <p:txBody>
+          <a:bodyPr rtlCol="0" anchor="ctr"/>
+          <a:lstStyle/>
+          <a:p>
+            <a:pPr algn="ctr"/>
+            <a:endParaRPr kumimoji="1" lang="ja-JP" altLang="en-US"/>
+          </a:p>
+        </p:txBody>
+      </p:sp>
+    </p:spTree>
+    <p:extLst>
+      <p:ext uri="{BB962C8B-B14F-4D97-AF65-F5344CB8AC3E}">
+        <p14:creationId xmlns:p14="http://schemas.microsoft.com/office/powerpoint/2010/main" val="2932014550"/>
+      </p:ext>
+    </p:extLst>
+  </p:cSld>
+  <p:clrMapOvr>
+    <a:masterClrMapping/>
+  </p:clrMapOvr>
 </p:sld>
 </file>
 

--- a/tmp/イメージ.pptx
+++ b/tmp/イメージ.pptx
@@ -16,6 +16,7 @@
     <p:sldId id="263" r:id="rId10"/>
     <p:sldId id="265" r:id="rId11"/>
     <p:sldId id="266" r:id="rId12"/>
+    <p:sldId id="267" r:id="rId13"/>
   </p:sldIdLst>
   <p:sldSz cx="12192000" cy="6858000"/>
   <p:notesSz cx="6858000" cy="9144000"/>
@@ -269,7 +270,7 @@
           <a:p>
             <a:fld id="{631EE54B-C8F3-4E2F-AEEF-7EF4ED04F042}" type="datetimeFigureOut">
               <a:rPr kumimoji="1" lang="ja-JP" altLang="en-US" smtClean="0"/>
-              <a:t>2023/10/31</a:t>
+              <a:t>2023/11/2</a:t>
             </a:fld>
             <a:endParaRPr kumimoji="1" lang="ja-JP" altLang="en-US"/>
           </a:p>
@@ -499,7 +500,7 @@
           <a:p>
             <a:fld id="{631EE54B-C8F3-4E2F-AEEF-7EF4ED04F042}" type="datetimeFigureOut">
               <a:rPr kumimoji="1" lang="ja-JP" altLang="en-US" smtClean="0"/>
-              <a:t>2023/10/31</a:t>
+              <a:t>2023/11/2</a:t>
             </a:fld>
             <a:endParaRPr kumimoji="1" lang="ja-JP" altLang="en-US"/>
           </a:p>
@@ -739,7 +740,7 @@
           <a:p>
             <a:fld id="{631EE54B-C8F3-4E2F-AEEF-7EF4ED04F042}" type="datetimeFigureOut">
               <a:rPr kumimoji="1" lang="ja-JP" altLang="en-US" smtClean="0"/>
-              <a:t>2023/10/31</a:t>
+              <a:t>2023/11/2</a:t>
             </a:fld>
             <a:endParaRPr kumimoji="1" lang="ja-JP" altLang="en-US"/>
           </a:p>
@@ -969,7 +970,7 @@
           <a:p>
             <a:fld id="{631EE54B-C8F3-4E2F-AEEF-7EF4ED04F042}" type="datetimeFigureOut">
               <a:rPr kumimoji="1" lang="ja-JP" altLang="en-US" smtClean="0"/>
-              <a:t>2023/10/31</a:t>
+              <a:t>2023/11/2</a:t>
             </a:fld>
             <a:endParaRPr kumimoji="1" lang="ja-JP" altLang="en-US"/>
           </a:p>
@@ -1244,7 +1245,7 @@
           <a:p>
             <a:fld id="{631EE54B-C8F3-4E2F-AEEF-7EF4ED04F042}" type="datetimeFigureOut">
               <a:rPr kumimoji="1" lang="ja-JP" altLang="en-US" smtClean="0"/>
-              <a:t>2023/10/31</a:t>
+              <a:t>2023/11/2</a:t>
             </a:fld>
             <a:endParaRPr kumimoji="1" lang="ja-JP" altLang="en-US"/>
           </a:p>
@@ -1573,7 +1574,7 @@
           <a:p>
             <a:fld id="{631EE54B-C8F3-4E2F-AEEF-7EF4ED04F042}" type="datetimeFigureOut">
               <a:rPr kumimoji="1" lang="ja-JP" altLang="en-US" smtClean="0"/>
-              <a:t>2023/10/31</a:t>
+              <a:t>2023/11/2</a:t>
             </a:fld>
             <a:endParaRPr kumimoji="1" lang="ja-JP" altLang="en-US"/>
           </a:p>
@@ -2049,7 +2050,7 @@
           <a:p>
             <a:fld id="{631EE54B-C8F3-4E2F-AEEF-7EF4ED04F042}" type="datetimeFigureOut">
               <a:rPr kumimoji="1" lang="ja-JP" altLang="en-US" smtClean="0"/>
-              <a:t>2023/10/31</a:t>
+              <a:t>2023/11/2</a:t>
             </a:fld>
             <a:endParaRPr kumimoji="1" lang="ja-JP" altLang="en-US"/>
           </a:p>
@@ -2190,7 +2191,7 @@
           <a:p>
             <a:fld id="{631EE54B-C8F3-4E2F-AEEF-7EF4ED04F042}" type="datetimeFigureOut">
               <a:rPr kumimoji="1" lang="ja-JP" altLang="en-US" smtClean="0"/>
-              <a:t>2023/10/31</a:t>
+              <a:t>2023/11/2</a:t>
             </a:fld>
             <a:endParaRPr kumimoji="1" lang="ja-JP" altLang="en-US"/>
           </a:p>
@@ -2303,7 +2304,7 @@
           <a:p>
             <a:fld id="{631EE54B-C8F3-4E2F-AEEF-7EF4ED04F042}" type="datetimeFigureOut">
               <a:rPr kumimoji="1" lang="ja-JP" altLang="en-US" smtClean="0"/>
-              <a:t>2023/10/31</a:t>
+              <a:t>2023/11/2</a:t>
             </a:fld>
             <a:endParaRPr kumimoji="1" lang="ja-JP" altLang="en-US"/>
           </a:p>
@@ -2646,7 +2647,7 @@
           <a:p>
             <a:fld id="{631EE54B-C8F3-4E2F-AEEF-7EF4ED04F042}" type="datetimeFigureOut">
               <a:rPr kumimoji="1" lang="ja-JP" altLang="en-US" smtClean="0"/>
-              <a:t>2023/10/31</a:t>
+              <a:t>2023/11/2</a:t>
             </a:fld>
             <a:endParaRPr kumimoji="1" lang="ja-JP" altLang="en-US"/>
           </a:p>
@@ -2934,7 +2935,7 @@
           <a:p>
             <a:fld id="{631EE54B-C8F3-4E2F-AEEF-7EF4ED04F042}" type="datetimeFigureOut">
               <a:rPr kumimoji="1" lang="ja-JP" altLang="en-US" smtClean="0"/>
-              <a:t>2023/10/31</a:t>
+              <a:t>2023/11/2</a:t>
             </a:fld>
             <a:endParaRPr kumimoji="1" lang="ja-JP" altLang="en-US"/>
           </a:p>
@@ -3207,7 +3208,7 @@
           <a:p>
             <a:fld id="{631EE54B-C8F3-4E2F-AEEF-7EF4ED04F042}" type="datetimeFigureOut">
               <a:rPr kumimoji="1" lang="ja-JP" altLang="en-US" smtClean="0"/>
-              <a:t>2023/10/31</a:t>
+              <a:t>2023/11/2</a:t>
             </a:fld>
             <a:endParaRPr kumimoji="1" lang="ja-JP" altLang="en-US"/>
           </a:p>
@@ -4513,8 +4514,8 @@
         </p:nvSpPr>
         <p:spPr>
           <a:xfrm>
-            <a:off x="5962650" y="72801"/>
-            <a:ext cx="266700" cy="2973461"/>
+            <a:off x="5962650" y="123826"/>
+            <a:ext cx="266700" cy="3884462"/>
           </a:xfrm>
           <a:prstGeom prst="rect">
             <a:avLst/>
@@ -4575,7 +4576,7 @@
         </p:nvSpPr>
         <p:spPr>
           <a:xfrm rot="18900000">
-            <a:off x="4648542" y="3801142"/>
+            <a:off x="4648542" y="4763167"/>
             <a:ext cx="1490629" cy="1490629"/>
           </a:xfrm>
           <a:custGeom>
@@ -4708,7 +4709,7 @@
         </p:nvSpPr>
         <p:spPr>
           <a:xfrm rot="2700000">
-            <a:off x="6049659" y="3803939"/>
+            <a:off x="6049659" y="4765964"/>
             <a:ext cx="1498937" cy="1491584"/>
           </a:xfrm>
           <a:custGeom>
@@ -4841,7 +4842,7 @@
         </p:nvSpPr>
         <p:spPr>
           <a:xfrm>
-            <a:off x="4981303" y="2917080"/>
+            <a:off x="4981303" y="3879105"/>
             <a:ext cx="2229394" cy="1332412"/>
           </a:xfrm>
           <a:prstGeom prst="ellipse">
@@ -4897,7 +4898,7 @@
         </p:nvSpPr>
         <p:spPr>
           <a:xfrm>
-            <a:off x="5376000" y="3223286"/>
+            <a:off x="5376000" y="4185311"/>
             <a:ext cx="1440000" cy="720000"/>
           </a:xfrm>
           <a:prstGeom prst="ellipse">
@@ -4943,6 +4944,476 @@
     <p:extLst>
       <p:ext uri="{BB962C8B-B14F-4D97-AF65-F5344CB8AC3E}">
         <p14:creationId xmlns:p14="http://schemas.microsoft.com/office/powerpoint/2010/main" val="2932014550"/>
+      </p:ext>
+    </p:extLst>
+  </p:cSld>
+  <p:clrMapOvr>
+    <a:masterClrMapping/>
+  </p:clrMapOvr>
+</p:sld>
+</file>
+
+<file path=ppt/slides/slide12.xml><?xml version="1.0" encoding="utf-8"?>
+<p:sld xmlns:a="http://schemas.openxmlformats.org/drawingml/2006/main" xmlns:r="http://schemas.openxmlformats.org/officeDocument/2006/relationships" xmlns:p="http://schemas.openxmlformats.org/presentationml/2006/main">
+  <p:cSld>
+    <p:spTree>
+      <p:nvGrpSpPr>
+        <p:cNvPr id="1" name=""/>
+        <p:cNvGrpSpPr/>
+        <p:nvPr/>
+      </p:nvGrpSpPr>
+      <p:grpSpPr>
+        <a:xfrm>
+          <a:off x="0" y="0"/>
+          <a:ext cx="0" cy="0"/>
+          <a:chOff x="0" y="0"/>
+          <a:chExt cx="0" cy="0"/>
+        </a:xfrm>
+      </p:grpSpPr>
+      <p:sp>
+        <p:nvSpPr>
+          <p:cNvPr id="11" name="正方形/長方形 10">
+            <a:extLst>
+              <a:ext uri="{FF2B5EF4-FFF2-40B4-BE49-F238E27FC236}">
+                <a16:creationId xmlns:a16="http://schemas.microsoft.com/office/drawing/2014/main" id="{FA15A959-FA32-07CA-3085-28F7D03FF69D}"/>
+              </a:ext>
+            </a:extLst>
+          </p:cNvPr>
+          <p:cNvSpPr/>
+          <p:nvPr/>
+        </p:nvSpPr>
+        <p:spPr>
+          <a:xfrm>
+            <a:off x="5962650" y="123826"/>
+            <a:ext cx="266700" cy="3884462"/>
+          </a:xfrm>
+          <a:prstGeom prst="rect">
+            <a:avLst/>
+          </a:prstGeom>
+          <a:solidFill>
+            <a:schemeClr val="bg2">
+              <a:lumMod val="50000"/>
+            </a:schemeClr>
+          </a:solidFill>
+          <a:ln w="76200">
+            <a:solidFill>
+              <a:schemeClr val="tx1"/>
+            </a:solidFill>
+          </a:ln>
+        </p:spPr>
+        <p:style>
+          <a:lnRef idx="2">
+            <a:schemeClr val="accent1">
+              <a:shade val="15000"/>
+            </a:schemeClr>
+          </a:lnRef>
+          <a:fillRef idx="1">
+            <a:schemeClr val="accent1"/>
+          </a:fillRef>
+          <a:effectRef idx="0">
+            <a:schemeClr val="accent1"/>
+          </a:effectRef>
+          <a:fontRef idx="minor">
+            <a:schemeClr val="lt1"/>
+          </a:fontRef>
+        </p:style>
+        <p:txBody>
+          <a:bodyPr rtlCol="0" anchor="ctr"/>
+          <a:lstStyle/>
+          <a:p>
+            <a:pPr algn="ctr"/>
+            <a:endParaRPr kumimoji="1" lang="ja-JP" altLang="en-US">
+              <a:solidFill>
+                <a:schemeClr val="bg2">
+                  <a:lumMod val="75000"/>
+                </a:schemeClr>
+              </a:solidFill>
+            </a:endParaRPr>
+          </a:p>
+        </p:txBody>
+      </p:sp>
+      <p:sp>
+        <p:nvSpPr>
+          <p:cNvPr id="12" name="フリーフォーム: 図形 11">
+            <a:extLst>
+              <a:ext uri="{FF2B5EF4-FFF2-40B4-BE49-F238E27FC236}">
+                <a16:creationId xmlns:a16="http://schemas.microsoft.com/office/drawing/2014/main" id="{F723E812-6500-66AF-1CC9-EAED217676EE}"/>
+              </a:ext>
+            </a:extLst>
+          </p:cNvPr>
+          <p:cNvSpPr/>
+          <p:nvPr/>
+        </p:nvSpPr>
+        <p:spPr>
+          <a:xfrm>
+            <a:off x="4068280" y="4399662"/>
+            <a:ext cx="1490629" cy="1490629"/>
+          </a:xfrm>
+          <a:custGeom>
+            <a:avLst/>
+            <a:gdLst>
+              <a:gd name="connsiteX0" fmla="*/ 1490629 w 1490629"/>
+              <a:gd name="connsiteY0" fmla="*/ 0 h 1490629"/>
+              <a:gd name="connsiteX1" fmla="*/ 1490629 w 1490629"/>
+              <a:gd name="connsiteY1" fmla="*/ 316865 h 1490629"/>
+              <a:gd name="connsiteX2" fmla="*/ 316865 w 1490629"/>
+              <a:gd name="connsiteY2" fmla="*/ 316865 h 1490629"/>
+              <a:gd name="connsiteX3" fmla="*/ 316865 w 1490629"/>
+              <a:gd name="connsiteY3" fmla="*/ 1490629 h 1490629"/>
+              <a:gd name="connsiteX4" fmla="*/ 0 w 1490629"/>
+              <a:gd name="connsiteY4" fmla="*/ 1490629 h 1490629"/>
+              <a:gd name="connsiteX5" fmla="*/ 0 w 1490629"/>
+              <a:gd name="connsiteY5" fmla="*/ 2319 h 1490629"/>
+              <a:gd name="connsiteX6" fmla="*/ 2319 w 1490629"/>
+              <a:gd name="connsiteY6" fmla="*/ 2319 h 1490629"/>
+              <a:gd name="connsiteX7" fmla="*/ 2319 w 1490629"/>
+              <a:gd name="connsiteY7" fmla="*/ 0 h 1490629"/>
+            </a:gdLst>
+            <a:ahLst/>
+            <a:cxnLst>
+              <a:cxn ang="0">
+                <a:pos x="connsiteX0" y="connsiteY0"/>
+              </a:cxn>
+              <a:cxn ang="0">
+                <a:pos x="connsiteX1" y="connsiteY1"/>
+              </a:cxn>
+              <a:cxn ang="0">
+                <a:pos x="connsiteX2" y="connsiteY2"/>
+              </a:cxn>
+              <a:cxn ang="0">
+                <a:pos x="connsiteX3" y="connsiteY3"/>
+              </a:cxn>
+              <a:cxn ang="0">
+                <a:pos x="connsiteX4" y="connsiteY4"/>
+              </a:cxn>
+              <a:cxn ang="0">
+                <a:pos x="connsiteX5" y="connsiteY5"/>
+              </a:cxn>
+              <a:cxn ang="0">
+                <a:pos x="connsiteX6" y="connsiteY6"/>
+              </a:cxn>
+              <a:cxn ang="0">
+                <a:pos x="connsiteX7" y="connsiteY7"/>
+              </a:cxn>
+            </a:cxnLst>
+            <a:rect l="l" t="t" r="r" b="b"/>
+            <a:pathLst>
+              <a:path w="1490629" h="1490629">
+                <a:moveTo>
+                  <a:pt x="1490629" y="0"/>
+                </a:moveTo>
+                <a:lnTo>
+                  <a:pt x="1490629" y="316865"/>
+                </a:lnTo>
+                <a:lnTo>
+                  <a:pt x="316865" y="316865"/>
+                </a:lnTo>
+                <a:lnTo>
+                  <a:pt x="316865" y="1490629"/>
+                </a:lnTo>
+                <a:lnTo>
+                  <a:pt x="0" y="1490629"/>
+                </a:lnTo>
+                <a:lnTo>
+                  <a:pt x="0" y="2319"/>
+                </a:lnTo>
+                <a:lnTo>
+                  <a:pt x="2319" y="2319"/>
+                </a:lnTo>
+                <a:lnTo>
+                  <a:pt x="2319" y="0"/>
+                </a:lnTo>
+                <a:close/>
+              </a:path>
+            </a:pathLst>
+          </a:custGeom>
+          <a:solidFill>
+            <a:schemeClr val="bg2">
+              <a:lumMod val="50000"/>
+            </a:schemeClr>
+          </a:solidFill>
+          <a:ln w="76200">
+            <a:solidFill>
+              <a:schemeClr val="tx1"/>
+            </a:solidFill>
+          </a:ln>
+        </p:spPr>
+        <p:style>
+          <a:lnRef idx="2">
+            <a:schemeClr val="accent1">
+              <a:shade val="15000"/>
+            </a:schemeClr>
+          </a:lnRef>
+          <a:fillRef idx="1">
+            <a:schemeClr val="accent1"/>
+          </a:fillRef>
+          <a:effectRef idx="0">
+            <a:schemeClr val="accent1"/>
+          </a:effectRef>
+          <a:fontRef idx="minor">
+            <a:schemeClr val="lt1"/>
+          </a:fontRef>
+        </p:style>
+        <p:txBody>
+          <a:bodyPr wrap="square" rtlCol="0" anchor="ctr">
+            <a:noAutofit/>
+          </a:bodyPr>
+          <a:lstStyle/>
+          <a:p>
+            <a:pPr algn="ctr"/>
+            <a:endParaRPr kumimoji="1" lang="ja-JP" altLang="en-US"/>
+          </a:p>
+        </p:txBody>
+      </p:sp>
+      <p:sp>
+        <p:nvSpPr>
+          <p:cNvPr id="13" name="フリーフォーム: 図形 12">
+            <a:extLst>
+              <a:ext uri="{FF2B5EF4-FFF2-40B4-BE49-F238E27FC236}">
+                <a16:creationId xmlns:a16="http://schemas.microsoft.com/office/drawing/2014/main" id="{E8EB4481-8385-8A83-FA84-13A707843181}"/>
+              </a:ext>
+            </a:extLst>
+          </p:cNvPr>
+          <p:cNvSpPr/>
+          <p:nvPr/>
+        </p:nvSpPr>
+        <p:spPr>
+          <a:xfrm>
+            <a:off x="6633093" y="4399662"/>
+            <a:ext cx="1498937" cy="1491584"/>
+          </a:xfrm>
+          <a:custGeom>
+            <a:avLst/>
+            <a:gdLst>
+              <a:gd name="connsiteX0" fmla="*/ 0 w 1498937"/>
+              <a:gd name="connsiteY0" fmla="*/ 0 h 1491584"/>
+              <a:gd name="connsiteX1" fmla="*/ 1488310 w 1498937"/>
+              <a:gd name="connsiteY1" fmla="*/ 0 h 1491584"/>
+              <a:gd name="connsiteX2" fmla="*/ 1488310 w 1498937"/>
+              <a:gd name="connsiteY2" fmla="*/ 1331 h 1491584"/>
+              <a:gd name="connsiteX3" fmla="*/ 1489633 w 1498937"/>
+              <a:gd name="connsiteY3" fmla="*/ 1323 h 1491584"/>
+              <a:gd name="connsiteX4" fmla="*/ 1498937 w 1498937"/>
+              <a:gd name="connsiteY4" fmla="*/ 1489603 h 1491584"/>
+              <a:gd name="connsiteX5" fmla="*/ 1182078 w 1498937"/>
+              <a:gd name="connsiteY5" fmla="*/ 1491584 h 1491584"/>
+              <a:gd name="connsiteX6" fmla="*/ 1174734 w 1498937"/>
+              <a:gd name="connsiteY6" fmla="*/ 316865 h 1491584"/>
+              <a:gd name="connsiteX7" fmla="*/ 0 w 1498937"/>
+              <a:gd name="connsiteY7" fmla="*/ 316865 h 1491584"/>
+            </a:gdLst>
+            <a:ahLst/>
+            <a:cxnLst>
+              <a:cxn ang="0">
+                <a:pos x="connsiteX0" y="connsiteY0"/>
+              </a:cxn>
+              <a:cxn ang="0">
+                <a:pos x="connsiteX1" y="connsiteY1"/>
+              </a:cxn>
+              <a:cxn ang="0">
+                <a:pos x="connsiteX2" y="connsiteY2"/>
+              </a:cxn>
+              <a:cxn ang="0">
+                <a:pos x="connsiteX3" y="connsiteY3"/>
+              </a:cxn>
+              <a:cxn ang="0">
+                <a:pos x="connsiteX4" y="connsiteY4"/>
+              </a:cxn>
+              <a:cxn ang="0">
+                <a:pos x="connsiteX5" y="connsiteY5"/>
+              </a:cxn>
+              <a:cxn ang="0">
+                <a:pos x="connsiteX6" y="connsiteY6"/>
+              </a:cxn>
+              <a:cxn ang="0">
+                <a:pos x="connsiteX7" y="connsiteY7"/>
+              </a:cxn>
+            </a:cxnLst>
+            <a:rect l="l" t="t" r="r" b="b"/>
+            <a:pathLst>
+              <a:path w="1498937" h="1491584">
+                <a:moveTo>
+                  <a:pt x="0" y="0"/>
+                </a:moveTo>
+                <a:lnTo>
+                  <a:pt x="1488310" y="0"/>
+                </a:lnTo>
+                <a:lnTo>
+                  <a:pt x="1488310" y="1331"/>
+                </a:lnTo>
+                <a:lnTo>
+                  <a:pt x="1489633" y="1323"/>
+                </a:lnTo>
+                <a:lnTo>
+                  <a:pt x="1498937" y="1489603"/>
+                </a:lnTo>
+                <a:lnTo>
+                  <a:pt x="1182078" y="1491584"/>
+                </a:lnTo>
+                <a:lnTo>
+                  <a:pt x="1174734" y="316865"/>
+                </a:lnTo>
+                <a:lnTo>
+                  <a:pt x="0" y="316865"/>
+                </a:lnTo>
+                <a:close/>
+              </a:path>
+            </a:pathLst>
+          </a:custGeom>
+          <a:solidFill>
+            <a:schemeClr val="bg2">
+              <a:lumMod val="50000"/>
+            </a:schemeClr>
+          </a:solidFill>
+          <a:ln w="76200">
+            <a:solidFill>
+              <a:schemeClr val="tx1"/>
+            </a:solidFill>
+          </a:ln>
+        </p:spPr>
+        <p:style>
+          <a:lnRef idx="2">
+            <a:schemeClr val="accent1">
+              <a:shade val="15000"/>
+            </a:schemeClr>
+          </a:lnRef>
+          <a:fillRef idx="1">
+            <a:schemeClr val="accent1"/>
+          </a:fillRef>
+          <a:effectRef idx="0">
+            <a:schemeClr val="accent1"/>
+          </a:effectRef>
+          <a:fontRef idx="minor">
+            <a:schemeClr val="lt1"/>
+          </a:fontRef>
+        </p:style>
+        <p:txBody>
+          <a:bodyPr wrap="square" rtlCol="0" anchor="ctr">
+            <a:noAutofit/>
+          </a:bodyPr>
+          <a:lstStyle/>
+          <a:p>
+            <a:pPr algn="ctr"/>
+            <a:endParaRPr kumimoji="1" lang="ja-JP" altLang="en-US"/>
+          </a:p>
+        </p:txBody>
+      </p:sp>
+      <p:sp>
+        <p:nvSpPr>
+          <p:cNvPr id="6" name="楕円 5">
+            <a:extLst>
+              <a:ext uri="{FF2B5EF4-FFF2-40B4-BE49-F238E27FC236}">
+                <a16:creationId xmlns:a16="http://schemas.microsoft.com/office/drawing/2014/main" id="{71422056-9DDF-970F-ED46-97EBD7EDAD0B}"/>
+              </a:ext>
+            </a:extLst>
+          </p:cNvPr>
+          <p:cNvSpPr/>
+          <p:nvPr/>
+        </p:nvSpPr>
+        <p:spPr>
+          <a:xfrm>
+            <a:off x="4981303" y="3879105"/>
+            <a:ext cx="2229394" cy="1332412"/>
+          </a:xfrm>
+          <a:prstGeom prst="ellipse">
+            <a:avLst/>
+          </a:prstGeom>
+          <a:solidFill>
+            <a:schemeClr val="bg2">
+              <a:lumMod val="50000"/>
+            </a:schemeClr>
+          </a:solidFill>
+          <a:ln w="76200">
+            <a:solidFill>
+              <a:schemeClr val="tx1"/>
+            </a:solidFill>
+          </a:ln>
+        </p:spPr>
+        <p:style>
+          <a:lnRef idx="2">
+            <a:schemeClr val="accent1">
+              <a:shade val="15000"/>
+            </a:schemeClr>
+          </a:lnRef>
+          <a:fillRef idx="1">
+            <a:schemeClr val="accent1"/>
+          </a:fillRef>
+          <a:effectRef idx="0">
+            <a:schemeClr val="accent1"/>
+          </a:effectRef>
+          <a:fontRef idx="minor">
+            <a:schemeClr val="lt1"/>
+          </a:fontRef>
+        </p:style>
+        <p:txBody>
+          <a:bodyPr rtlCol="0" anchor="ctr"/>
+          <a:lstStyle/>
+          <a:p>
+            <a:pPr algn="ctr"/>
+            <a:endParaRPr kumimoji="1" lang="ja-JP" altLang="en-US"/>
+          </a:p>
+        </p:txBody>
+      </p:sp>
+      <p:sp>
+        <p:nvSpPr>
+          <p:cNvPr id="10" name="楕円 9">
+            <a:extLst>
+              <a:ext uri="{FF2B5EF4-FFF2-40B4-BE49-F238E27FC236}">
+                <a16:creationId xmlns:a16="http://schemas.microsoft.com/office/drawing/2014/main" id="{A8B21F57-2945-5F12-A3F9-41868BBFC695}"/>
+              </a:ext>
+            </a:extLst>
+          </p:cNvPr>
+          <p:cNvSpPr/>
+          <p:nvPr/>
+        </p:nvSpPr>
+        <p:spPr>
+          <a:xfrm>
+            <a:off x="5376000" y="4185311"/>
+            <a:ext cx="1440000" cy="720000"/>
+          </a:xfrm>
+          <a:prstGeom prst="ellipse">
+            <a:avLst/>
+          </a:prstGeom>
+          <a:solidFill>
+            <a:schemeClr val="bg2">
+              <a:lumMod val="50000"/>
+            </a:schemeClr>
+          </a:solidFill>
+          <a:ln w="76200">
+            <a:solidFill>
+              <a:schemeClr val="tx1"/>
+            </a:solidFill>
+          </a:ln>
+        </p:spPr>
+        <p:style>
+          <a:lnRef idx="2">
+            <a:schemeClr val="accent1">
+              <a:shade val="15000"/>
+            </a:schemeClr>
+          </a:lnRef>
+          <a:fillRef idx="1">
+            <a:schemeClr val="accent1"/>
+          </a:fillRef>
+          <a:effectRef idx="0">
+            <a:schemeClr val="accent1"/>
+          </a:effectRef>
+          <a:fontRef idx="minor">
+            <a:schemeClr val="lt1"/>
+          </a:fontRef>
+        </p:style>
+        <p:txBody>
+          <a:bodyPr rtlCol="0" anchor="ctr"/>
+          <a:lstStyle/>
+          <a:p>
+            <a:pPr algn="ctr"/>
+            <a:endParaRPr kumimoji="1" lang="ja-JP" altLang="en-US"/>
+          </a:p>
+        </p:txBody>
+      </p:sp>
+    </p:spTree>
+    <p:extLst>
+      <p:ext uri="{BB962C8B-B14F-4D97-AF65-F5344CB8AC3E}">
+        <p14:creationId xmlns:p14="http://schemas.microsoft.com/office/powerpoint/2010/main" val="1113617314"/>
       </p:ext>
     </p:extLst>
   </p:cSld>
